--- a/Baseball and Money.pptx
+++ b/Baseball and Money.pptx
@@ -131,6 +131,1901 @@
 </p1510:revInfo>
 </file>
 
+<file path=ppt/changesInfos/changesInfo1.xml><?xml version="1.0" encoding="utf-8"?>
+<pc:chgInfo xmlns:a="http://schemas.openxmlformats.org/drawingml/2006/main" xmlns:r="http://schemas.openxmlformats.org/officeDocument/2006/relationships" xmlns:ac="http://schemas.microsoft.com/office/drawing/2013/main/command" xmlns:pc="http://schemas.microsoft.com/office/powerpoint/2013/main/command">
+  <pc:docChgLst>
+    <pc:chgData name="Kylie" userId="d58a86503aa0c486" providerId="LiveId" clId="{D2842C85-4F98-4844-8C6C-33CFC4C70103}"/>
+    <pc:docChg chg="undo custSel mod addSld delSld modSld sldOrd">
+      <pc:chgData name="Kylie" userId="d58a86503aa0c486" providerId="LiveId" clId="{D2842C85-4F98-4844-8C6C-33CFC4C70103}" dt="2020-11-07T16:33:47.485" v="2722" actId="20577"/>
+      <pc:docMkLst>
+        <pc:docMk/>
+      </pc:docMkLst>
+      <pc:sldChg chg="addSp delSp modSp mod">
+        <pc:chgData name="Kylie" userId="d58a86503aa0c486" providerId="LiveId" clId="{D2842C85-4F98-4844-8C6C-33CFC4C70103}" dt="2020-11-07T04:02:01.981" v="2329" actId="14100"/>
+        <pc:sldMkLst>
+          <pc:docMk/>
+          <pc:sldMk cId="878686471" sldId="256"/>
+        </pc:sldMkLst>
+        <pc:spChg chg="mod">
+          <ac:chgData name="Kylie" userId="d58a86503aa0c486" providerId="LiveId" clId="{D2842C85-4F98-4844-8C6C-33CFC4C70103}" dt="2020-11-05T04:52:42.633" v="121" actId="20577"/>
+          <ac:spMkLst>
+            <pc:docMk/>
+            <pc:sldMk cId="878686471" sldId="256"/>
+            <ac:spMk id="5" creationId="{A461B4D6-25FA-4D9E-B1BF-CDE64064EAAF}"/>
+          </ac:spMkLst>
+        </pc:spChg>
+        <pc:picChg chg="mod">
+          <ac:chgData name="Kylie" userId="d58a86503aa0c486" providerId="LiveId" clId="{D2842C85-4F98-4844-8C6C-33CFC4C70103}" dt="2020-11-05T08:51:02.554" v="250" actId="1076"/>
+          <ac:picMkLst>
+            <pc:docMk/>
+            <pc:sldMk cId="878686471" sldId="256"/>
+            <ac:picMk id="4" creationId="{D5A5AD70-96C5-452E-B031-9BE5F46BD38E}"/>
+          </ac:picMkLst>
+        </pc:picChg>
+        <pc:picChg chg="add del mod">
+          <ac:chgData name="Kylie" userId="d58a86503aa0c486" providerId="LiveId" clId="{D2842C85-4F98-4844-8C6C-33CFC4C70103}" dt="2020-11-07T02:22:25.066" v="851" actId="478"/>
+          <ac:picMkLst>
+            <pc:docMk/>
+            <pc:sldMk cId="878686471" sldId="256"/>
+            <ac:picMk id="6" creationId="{3EB311E0-AACF-4CAE-9622-023C60C38519}"/>
+          </ac:picMkLst>
+        </pc:picChg>
+        <pc:picChg chg="add del mod">
+          <ac:chgData name="Kylie" userId="d58a86503aa0c486" providerId="LiveId" clId="{D2842C85-4F98-4844-8C6C-33CFC4C70103}" dt="2020-11-07T04:01:32.278" v="2324" actId="478"/>
+          <ac:picMkLst>
+            <pc:docMk/>
+            <pc:sldMk cId="878686471" sldId="256"/>
+            <ac:picMk id="6" creationId="{6859BD7D-C7C5-4B3E-AB77-B476A011EF34}"/>
+          </ac:picMkLst>
+        </pc:picChg>
+        <pc:picChg chg="mod">
+          <ac:chgData name="Kylie" userId="d58a86503aa0c486" providerId="LiveId" clId="{D2842C85-4F98-4844-8C6C-33CFC4C70103}" dt="2020-11-07T03:11:30.925" v="2241" actId="1076"/>
+          <ac:picMkLst>
+            <pc:docMk/>
+            <pc:sldMk cId="878686471" sldId="256"/>
+            <ac:picMk id="7" creationId="{8B27F124-744E-4244-9B87-9A309C024A2C}"/>
+          </ac:picMkLst>
+        </pc:picChg>
+        <pc:picChg chg="mod">
+          <ac:chgData name="Kylie" userId="d58a86503aa0c486" providerId="LiveId" clId="{D2842C85-4F98-4844-8C6C-33CFC4C70103}" dt="2020-11-07T04:02:01.981" v="2329" actId="14100"/>
+          <ac:picMkLst>
+            <pc:docMk/>
+            <pc:sldMk cId="878686471" sldId="256"/>
+            <ac:picMk id="8" creationId="{5A4477DB-9347-4094-843A-8BB47C62223B}"/>
+          </ac:picMkLst>
+        </pc:picChg>
+        <pc:picChg chg="del mod">
+          <ac:chgData name="Kylie" userId="d58a86503aa0c486" providerId="LiveId" clId="{D2842C85-4F98-4844-8C6C-33CFC4C70103}" dt="2020-11-07T02:20:20.945" v="845" actId="478"/>
+          <ac:picMkLst>
+            <pc:docMk/>
+            <pc:sldMk cId="878686471" sldId="256"/>
+            <ac:picMk id="9" creationId="{FA649E0E-B765-4D0A-9431-4AEE8F5B1309}"/>
+          </ac:picMkLst>
+        </pc:picChg>
+        <pc:picChg chg="add del mod">
+          <ac:chgData name="Kylie" userId="d58a86503aa0c486" providerId="LiveId" clId="{D2842C85-4F98-4844-8C6C-33CFC4C70103}" dt="2020-11-07T04:01:04.227" v="2321"/>
+          <ac:picMkLst>
+            <pc:docMk/>
+            <pc:sldMk cId="878686471" sldId="256"/>
+            <ac:picMk id="9" creationId="{FBE1BB3E-4C6C-48C1-85DA-3F61E4FCE425}"/>
+          </ac:picMkLst>
+        </pc:picChg>
+        <pc:picChg chg="mod">
+          <ac:chgData name="Kylie" userId="d58a86503aa0c486" providerId="LiveId" clId="{D2842C85-4F98-4844-8C6C-33CFC4C70103}" dt="2020-11-07T01:24:27.660" v="787" actId="14100"/>
+          <ac:picMkLst>
+            <pc:docMk/>
+            <pc:sldMk cId="878686471" sldId="256"/>
+            <ac:picMk id="10" creationId="{7E31FCD7-5680-46CB-83F8-F179D9B68E27}"/>
+          </ac:picMkLst>
+        </pc:picChg>
+        <pc:picChg chg="add del mod">
+          <ac:chgData name="Kylie" userId="d58a86503aa0c486" providerId="LiveId" clId="{D2842C85-4F98-4844-8C6C-33CFC4C70103}" dt="2020-11-05T08:51:18.577" v="253" actId="21"/>
+          <ac:picMkLst>
+            <pc:docMk/>
+            <pc:sldMk cId="878686471" sldId="256"/>
+            <ac:picMk id="11" creationId="{DC523D9F-2B68-48EB-BCA9-54E3E6CFE452}"/>
+          </ac:picMkLst>
+        </pc:picChg>
+        <pc:picChg chg="add mod">
+          <ac:chgData name="Kylie" userId="d58a86503aa0c486" providerId="LiveId" clId="{D2842C85-4F98-4844-8C6C-33CFC4C70103}" dt="2020-11-07T04:01:53.330" v="2328" actId="1076"/>
+          <ac:picMkLst>
+            <pc:docMk/>
+            <pc:sldMk cId="878686471" sldId="256"/>
+            <ac:picMk id="11" creationId="{FE686958-30B5-4ED3-B372-549FA49385D9}"/>
+          </ac:picMkLst>
+        </pc:picChg>
+      </pc:sldChg>
+      <pc:sldChg chg="addSp modSp mod setBg">
+        <pc:chgData name="Kylie" userId="d58a86503aa0c486" providerId="LiveId" clId="{D2842C85-4F98-4844-8C6C-33CFC4C70103}" dt="2020-11-07T05:13:39.347" v="2518" actId="1076"/>
+        <pc:sldMkLst>
+          <pc:docMk/>
+          <pc:sldMk cId="2134914202" sldId="257"/>
+        </pc:sldMkLst>
+        <pc:spChg chg="mod">
+          <ac:chgData name="Kylie" userId="d58a86503aa0c486" providerId="LiveId" clId="{D2842C85-4F98-4844-8C6C-33CFC4C70103}" dt="2020-11-05T08:51:29.523" v="257" actId="26606"/>
+          <ac:spMkLst>
+            <pc:docMk/>
+            <pc:sldMk cId="2134914202" sldId="257"/>
+            <ac:spMk id="2" creationId="{2C738BAA-42AA-47DA-B000-3D49307659F2}"/>
+          </ac:spMkLst>
+        </pc:spChg>
+        <pc:spChg chg="mod ord">
+          <ac:chgData name="Kylie" userId="d58a86503aa0c486" providerId="LiveId" clId="{D2842C85-4F98-4844-8C6C-33CFC4C70103}" dt="2020-11-05T08:51:29.523" v="257" actId="26606"/>
+          <ac:spMkLst>
+            <pc:docMk/>
+            <pc:sldMk cId="2134914202" sldId="257"/>
+            <ac:spMk id="3" creationId="{A9B22E67-B3DD-4309-977E-72A12569AF6E}"/>
+          </ac:spMkLst>
+        </pc:spChg>
+        <pc:spChg chg="add">
+          <ac:chgData name="Kylie" userId="d58a86503aa0c486" providerId="LiveId" clId="{D2842C85-4F98-4844-8C6C-33CFC4C70103}" dt="2020-11-05T08:51:29.523" v="257" actId="26606"/>
+          <ac:spMkLst>
+            <pc:docMk/>
+            <pc:sldMk cId="2134914202" sldId="257"/>
+            <ac:spMk id="10" creationId="{C33BF9DD-8A45-4EEE-B231-0A14D322E5F9}"/>
+          </ac:spMkLst>
+        </pc:spChg>
+        <pc:spChg chg="add">
+          <ac:chgData name="Kylie" userId="d58a86503aa0c486" providerId="LiveId" clId="{D2842C85-4F98-4844-8C6C-33CFC4C70103}" dt="2020-11-05T08:51:29.523" v="257" actId="26606"/>
+          <ac:spMkLst>
+            <pc:docMk/>
+            <pc:sldMk cId="2134914202" sldId="257"/>
+            <ac:spMk id="14" creationId="{D5FBCAC9-BD8B-4F3B-AD74-EF37D4211349}"/>
+          </ac:spMkLst>
+        </pc:spChg>
+        <pc:spChg chg="add">
+          <ac:chgData name="Kylie" userId="d58a86503aa0c486" providerId="LiveId" clId="{D2842C85-4F98-4844-8C6C-33CFC4C70103}" dt="2020-11-05T08:51:29.523" v="257" actId="26606"/>
+          <ac:spMkLst>
+            <pc:docMk/>
+            <pc:sldMk cId="2134914202" sldId="257"/>
+            <ac:spMk id="16" creationId="{9556C5A8-AD7E-4CE7-87BE-9EA3B5E1786F}"/>
+          </ac:spMkLst>
+        </pc:spChg>
+        <pc:picChg chg="add mod">
+          <ac:chgData name="Kylie" userId="d58a86503aa0c486" providerId="LiveId" clId="{D2842C85-4F98-4844-8C6C-33CFC4C70103}" dt="2020-11-07T05:13:39.347" v="2518" actId="1076"/>
+          <ac:picMkLst>
+            <pc:docMk/>
+            <pc:sldMk cId="2134914202" sldId="257"/>
+            <ac:picMk id="5" creationId="{6CCA4117-E868-4410-97D8-0419F9EAA5F9}"/>
+          </ac:picMkLst>
+        </pc:picChg>
+        <pc:cxnChg chg="add">
+          <ac:chgData name="Kylie" userId="d58a86503aa0c486" providerId="LiveId" clId="{D2842C85-4F98-4844-8C6C-33CFC4C70103}" dt="2020-11-05T08:51:29.523" v="257" actId="26606"/>
+          <ac:cxnSpMkLst>
+            <pc:docMk/>
+            <pc:sldMk cId="2134914202" sldId="257"/>
+            <ac:cxnSpMk id="12" creationId="{9020DCC9-F851-4562-BB20-1AB3C51BFD08}"/>
+          </ac:cxnSpMkLst>
+        </pc:cxnChg>
+      </pc:sldChg>
+      <pc:sldChg chg="addSp modSp mod">
+        <pc:chgData name="Kylie" userId="d58a86503aa0c486" providerId="LiveId" clId="{D2842C85-4F98-4844-8C6C-33CFC4C70103}" dt="2020-11-07T04:02:28.568" v="2333" actId="20577"/>
+        <pc:sldMkLst>
+          <pc:docMk/>
+          <pc:sldMk cId="1233527600" sldId="258"/>
+        </pc:sldMkLst>
+        <pc:spChg chg="mod">
+          <ac:chgData name="Kylie" userId="d58a86503aa0c486" providerId="LiveId" clId="{D2842C85-4F98-4844-8C6C-33CFC4C70103}" dt="2020-11-07T04:02:28.568" v="2333" actId="20577"/>
+          <ac:spMkLst>
+            <pc:docMk/>
+            <pc:sldMk cId="1233527600" sldId="258"/>
+            <ac:spMk id="2" creationId="{E8DF4EF5-6512-4061-81D4-1F6C5273BCD1}"/>
+          </ac:spMkLst>
+        </pc:spChg>
+        <pc:picChg chg="add mod">
+          <ac:chgData name="Kylie" userId="d58a86503aa0c486" providerId="LiveId" clId="{D2842C85-4F98-4844-8C6C-33CFC4C70103}" dt="2020-11-07T01:26:09.217" v="791" actId="1076"/>
+          <ac:picMkLst>
+            <pc:docMk/>
+            <pc:sldMk cId="1233527600" sldId="258"/>
+            <ac:picMk id="3" creationId="{69566103-03D2-4335-96C8-2FBA0FD1ED66}"/>
+          </ac:picMkLst>
+        </pc:picChg>
+        <pc:picChg chg="mod">
+          <ac:chgData name="Kylie" userId="d58a86503aa0c486" providerId="LiveId" clId="{D2842C85-4F98-4844-8C6C-33CFC4C70103}" dt="2020-11-05T08:52:50.601" v="260" actId="1076"/>
+          <ac:picMkLst>
+            <pc:docMk/>
+            <pc:sldMk cId="1233527600" sldId="258"/>
+            <ac:picMk id="4" creationId="{83F38DC0-E300-4184-9D3A-65D70AB334C5}"/>
+          </ac:picMkLst>
+        </pc:picChg>
+      </pc:sldChg>
+      <pc:sldChg chg="addSp delSp modSp mod setBg modClrScheme delDesignElem chgLayout">
+        <pc:chgData name="Kylie" userId="d58a86503aa0c486" providerId="LiveId" clId="{D2842C85-4F98-4844-8C6C-33CFC4C70103}" dt="2020-11-07T05:10:41.435" v="2503" actId="14100"/>
+        <pc:sldMkLst>
+          <pc:docMk/>
+          <pc:sldMk cId="3019543678" sldId="259"/>
+        </pc:sldMkLst>
+        <pc:spChg chg="add del mod ord">
+          <ac:chgData name="Kylie" userId="d58a86503aa0c486" providerId="LiveId" clId="{D2842C85-4F98-4844-8C6C-33CFC4C70103}" dt="2020-11-07T04:04:36.253" v="2441" actId="20577"/>
+          <ac:spMkLst>
+            <pc:docMk/>
+            <pc:sldMk cId="3019543678" sldId="259"/>
+            <ac:spMk id="2" creationId="{B3F3D848-3D38-4BA4-B865-466E0FB97589}"/>
+          </ac:spMkLst>
+        </pc:spChg>
+        <pc:spChg chg="add del mod">
+          <ac:chgData name="Kylie" userId="d58a86503aa0c486" providerId="LiveId" clId="{D2842C85-4F98-4844-8C6C-33CFC4C70103}" dt="2020-11-05T08:23:09.365" v="141" actId="478"/>
+          <ac:spMkLst>
+            <pc:docMk/>
+            <pc:sldMk cId="3019543678" sldId="259"/>
+            <ac:spMk id="9" creationId="{B7BDFA6A-51CD-49A7-B51F-802A748BAD5F}"/>
+          </ac:spMkLst>
+        </pc:spChg>
+        <pc:spChg chg="add del">
+          <ac:chgData name="Kylie" userId="d58a86503aa0c486" providerId="LiveId" clId="{D2842C85-4F98-4844-8C6C-33CFC4C70103}" dt="2020-11-05T08:26:03.072" v="172" actId="700"/>
+          <ac:spMkLst>
+            <pc:docMk/>
+            <pc:sldMk cId="3019543678" sldId="259"/>
+            <ac:spMk id="12" creationId="{15627614-0421-44C9-BA45-98C62DB304E7}"/>
+          </ac:spMkLst>
+        </pc:spChg>
+        <pc:spChg chg="add del">
+          <ac:chgData name="Kylie" userId="d58a86503aa0c486" providerId="LiveId" clId="{D2842C85-4F98-4844-8C6C-33CFC4C70103}" dt="2020-11-05T08:26:03.072" v="172" actId="700"/>
+          <ac:spMkLst>
+            <pc:docMk/>
+            <pc:sldMk cId="3019543678" sldId="259"/>
+            <ac:spMk id="14" creationId="{A95CF63B-42D2-437D-AF2A-6C97E4CADD39}"/>
+          </ac:spMkLst>
+        </pc:spChg>
+        <pc:spChg chg="add del">
+          <ac:chgData name="Kylie" userId="d58a86503aa0c486" providerId="LiveId" clId="{D2842C85-4F98-4844-8C6C-33CFC4C70103}" dt="2020-11-05T08:26:03.072" v="172" actId="700"/>
+          <ac:spMkLst>
+            <pc:docMk/>
+            <pc:sldMk cId="3019543678" sldId="259"/>
+            <ac:spMk id="18" creationId="{F98A3B8C-AC24-4BB1-B607-88710B8D1AB5}"/>
+          </ac:spMkLst>
+        </pc:spChg>
+        <pc:spChg chg="add del">
+          <ac:chgData name="Kylie" userId="d58a86503aa0c486" providerId="LiveId" clId="{D2842C85-4F98-4844-8C6C-33CFC4C70103}" dt="2020-11-05T08:26:03.072" v="172" actId="700"/>
+          <ac:spMkLst>
+            <pc:docMk/>
+            <pc:sldMk cId="3019543678" sldId="259"/>
+            <ac:spMk id="22" creationId="{E5286F1A-1D8A-461D-97B6-FA41E5978FFF}"/>
+          </ac:spMkLst>
+        </pc:spChg>
+        <pc:spChg chg="add del">
+          <ac:chgData name="Kylie" userId="d58a86503aa0c486" providerId="LiveId" clId="{D2842C85-4F98-4844-8C6C-33CFC4C70103}" dt="2020-11-05T08:26:03.072" v="172" actId="700"/>
+          <ac:spMkLst>
+            <pc:docMk/>
+            <pc:sldMk cId="3019543678" sldId="259"/>
+            <ac:spMk id="24" creationId="{34AC6BCA-32BA-4FCF-9F87-4D8228AB2A89}"/>
+          </ac:spMkLst>
+        </pc:spChg>
+        <pc:spChg chg="add del">
+          <ac:chgData name="Kylie" userId="d58a86503aa0c486" providerId="LiveId" clId="{D2842C85-4F98-4844-8C6C-33CFC4C70103}" dt="2020-11-07T01:00:28.233" v="756" actId="26606"/>
+          <ac:spMkLst>
+            <pc:docMk/>
+            <pc:sldMk cId="3019543678" sldId="259"/>
+            <ac:spMk id="28" creationId="{5F54226A-15A5-4F46-926F-81F3EC4664A8}"/>
+          </ac:spMkLst>
+        </pc:spChg>
+        <pc:spChg chg="add del">
+          <ac:chgData name="Kylie" userId="d58a86503aa0c486" providerId="LiveId" clId="{D2842C85-4F98-4844-8C6C-33CFC4C70103}" dt="2020-11-05T08:24:59.395" v="166" actId="26606"/>
+          <ac:spMkLst>
+            <pc:docMk/>
+            <pc:sldMk cId="3019543678" sldId="259"/>
+            <ac:spMk id="29" creationId="{5F54226A-15A5-4F46-926F-81F3EC4664A8}"/>
+          </ac:spMkLst>
+        </pc:spChg>
+        <pc:spChg chg="add del">
+          <ac:chgData name="Kylie" userId="d58a86503aa0c486" providerId="LiveId" clId="{D2842C85-4F98-4844-8C6C-33CFC4C70103}" dt="2020-11-07T01:00:28.233" v="756" actId="26606"/>
+          <ac:spMkLst>
+            <pc:docMk/>
+            <pc:sldMk cId="3019543678" sldId="259"/>
+            <ac:spMk id="30" creationId="{CFCF670F-3E94-4C8F-95AE-035FB459B9D2}"/>
+          </ac:spMkLst>
+        </pc:spChg>
+        <pc:spChg chg="add del">
+          <ac:chgData name="Kylie" userId="d58a86503aa0c486" providerId="LiveId" clId="{D2842C85-4F98-4844-8C6C-33CFC4C70103}" dt="2020-11-05T08:24:59.395" v="166" actId="26606"/>
+          <ac:spMkLst>
+            <pc:docMk/>
+            <pc:sldMk cId="3019543678" sldId="259"/>
+            <ac:spMk id="31" creationId="{CFCF670F-3E94-4C8F-95AE-035FB459B9D2}"/>
+          </ac:spMkLst>
+        </pc:spChg>
+        <pc:spChg chg="add del">
+          <ac:chgData name="Kylie" userId="d58a86503aa0c486" providerId="LiveId" clId="{D2842C85-4F98-4844-8C6C-33CFC4C70103}" dt="2020-11-07T01:00:28.233" v="756" actId="26606"/>
+          <ac:spMkLst>
+            <pc:docMk/>
+            <pc:sldMk cId="3019543678" sldId="259"/>
+            <ac:spMk id="34" creationId="{EBE45A86-783B-4F2C-BE47-70B28B98AEC4}"/>
+          </ac:spMkLst>
+        </pc:spChg>
+        <pc:spChg chg="add del">
+          <ac:chgData name="Kylie" userId="d58a86503aa0c486" providerId="LiveId" clId="{D2842C85-4F98-4844-8C6C-33CFC4C70103}" dt="2020-11-05T08:24:59.395" v="166" actId="26606"/>
+          <ac:spMkLst>
+            <pc:docMk/>
+            <pc:sldMk cId="3019543678" sldId="259"/>
+            <ac:spMk id="35" creationId="{EBE45A86-783B-4F2C-BE47-70B28B98AEC4}"/>
+          </ac:spMkLst>
+        </pc:spChg>
+        <pc:spChg chg="add del">
+          <ac:chgData name="Kylie" userId="d58a86503aa0c486" providerId="LiveId" clId="{D2842C85-4F98-4844-8C6C-33CFC4C70103}" dt="2020-11-07T01:00:28.233" v="756" actId="26606"/>
+          <ac:spMkLst>
+            <pc:docMk/>
+            <pc:sldMk cId="3019543678" sldId="259"/>
+            <ac:spMk id="36" creationId="{C309993B-ED13-4A38-A24F-95A8070F207C}"/>
+          </ac:spMkLst>
+        </pc:spChg>
+        <pc:spChg chg="add del">
+          <ac:chgData name="Kylie" userId="d58a86503aa0c486" providerId="LiveId" clId="{D2842C85-4F98-4844-8C6C-33CFC4C70103}" dt="2020-11-05T08:24:59.395" v="166" actId="26606"/>
+          <ac:spMkLst>
+            <pc:docMk/>
+            <pc:sldMk cId="3019543678" sldId="259"/>
+            <ac:spMk id="37" creationId="{C309993B-ED13-4A38-A24F-95A8070F207C}"/>
+          </ac:spMkLst>
+        </pc:spChg>
+        <pc:spChg chg="add del">
+          <ac:chgData name="Kylie" userId="d58a86503aa0c486" providerId="LiveId" clId="{D2842C85-4F98-4844-8C6C-33CFC4C70103}" dt="2020-11-07T01:00:28.233" v="756" actId="26606"/>
+          <ac:spMkLst>
+            <pc:docMk/>
+            <pc:sldMk cId="3019543678" sldId="259"/>
+            <ac:spMk id="38" creationId="{251543AF-FABF-4B9B-A51F-6E32B09AD633}"/>
+          </ac:spMkLst>
+        </pc:spChg>
+        <pc:spChg chg="add del">
+          <ac:chgData name="Kylie" userId="d58a86503aa0c486" providerId="LiveId" clId="{D2842C85-4F98-4844-8C6C-33CFC4C70103}" dt="2020-11-05T08:24:59.395" v="166" actId="26606"/>
+          <ac:spMkLst>
+            <pc:docMk/>
+            <pc:sldMk cId="3019543678" sldId="259"/>
+            <ac:spMk id="39" creationId="{251543AF-FABF-4B9B-A51F-6E32B09AD633}"/>
+          </ac:spMkLst>
+        </pc:spChg>
+        <pc:spChg chg="add del">
+          <ac:chgData name="Kylie" userId="d58a86503aa0c486" providerId="LiveId" clId="{D2842C85-4F98-4844-8C6C-33CFC4C70103}" dt="2020-11-07T01:00:28.233" v="756" actId="26606"/>
+          <ac:spMkLst>
+            <pc:docMk/>
+            <pc:sldMk cId="3019543678" sldId="259"/>
+            <ac:spMk id="40" creationId="{B448F9F0-74F6-4FA2-97EA-D1CEA818C6B9}"/>
+          </ac:spMkLst>
+        </pc:spChg>
+        <pc:spChg chg="add del">
+          <ac:chgData name="Kylie" userId="d58a86503aa0c486" providerId="LiveId" clId="{D2842C85-4F98-4844-8C6C-33CFC4C70103}" dt="2020-11-05T08:24:59.395" v="166" actId="26606"/>
+          <ac:spMkLst>
+            <pc:docMk/>
+            <pc:sldMk cId="3019543678" sldId="259"/>
+            <ac:spMk id="41" creationId="{B448F9F0-74F6-4FA2-97EA-D1CEA818C6B9}"/>
+          </ac:spMkLst>
+        </pc:spChg>
+        <pc:spChg chg="add del">
+          <ac:chgData name="Kylie" userId="d58a86503aa0c486" providerId="LiveId" clId="{D2842C85-4F98-4844-8C6C-33CFC4C70103}" dt="2020-11-07T01:00:28.233" v="756" actId="26606"/>
+          <ac:spMkLst>
+            <pc:docMk/>
+            <pc:sldMk cId="3019543678" sldId="259"/>
+            <ac:spMk id="42" creationId="{4D5AE9DE-ADA2-4F40-8C1D-E5A094FBBBD5}"/>
+          </ac:spMkLst>
+        </pc:spChg>
+        <pc:spChg chg="add del">
+          <ac:chgData name="Kylie" userId="d58a86503aa0c486" providerId="LiveId" clId="{D2842C85-4F98-4844-8C6C-33CFC4C70103}" dt="2020-11-05T08:24:59.395" v="166" actId="26606"/>
+          <ac:spMkLst>
+            <pc:docMk/>
+            <pc:sldMk cId="3019543678" sldId="259"/>
+            <ac:spMk id="43" creationId="{4D5AE9DE-ADA2-4F40-8C1D-E5A094FBBBD5}"/>
+          </ac:spMkLst>
+        </pc:spChg>
+        <pc:spChg chg="add del">
+          <ac:chgData name="Kylie" userId="d58a86503aa0c486" providerId="LiveId" clId="{D2842C85-4F98-4844-8C6C-33CFC4C70103}" dt="2020-11-07T01:00:28.233" v="756" actId="26606"/>
+          <ac:spMkLst>
+            <pc:docMk/>
+            <pc:sldMk cId="3019543678" sldId="259"/>
+            <ac:spMk id="46" creationId="{19DBA7B9-E378-45BB-8AE8-9C06D887A1E4}"/>
+          </ac:spMkLst>
+        </pc:spChg>
+        <pc:spChg chg="add del">
+          <ac:chgData name="Kylie" userId="d58a86503aa0c486" providerId="LiveId" clId="{D2842C85-4F98-4844-8C6C-33CFC4C70103}" dt="2020-11-05T08:24:59.395" v="166" actId="26606"/>
+          <ac:spMkLst>
+            <pc:docMk/>
+            <pc:sldMk cId="3019543678" sldId="259"/>
+            <ac:spMk id="47" creationId="{19DBA7B9-E378-45BB-8AE8-9C06D887A1E4}"/>
+          </ac:spMkLst>
+        </pc:spChg>
+        <pc:spChg chg="add del">
+          <ac:chgData name="Kylie" userId="d58a86503aa0c486" providerId="LiveId" clId="{D2842C85-4F98-4844-8C6C-33CFC4C70103}" dt="2020-11-07T01:00:28.233" v="756" actId="26606"/>
+          <ac:spMkLst>
+            <pc:docMk/>
+            <pc:sldMk cId="3019543678" sldId="259"/>
+            <ac:spMk id="48" creationId="{DD2B0DFB-948D-4DE0-A2B7-C79ED4A060BA}"/>
+          </ac:spMkLst>
+        </pc:spChg>
+        <pc:spChg chg="add del">
+          <ac:chgData name="Kylie" userId="d58a86503aa0c486" providerId="LiveId" clId="{D2842C85-4F98-4844-8C6C-33CFC4C70103}" dt="2020-11-05T08:24:59.395" v="166" actId="26606"/>
+          <ac:spMkLst>
+            <pc:docMk/>
+            <pc:sldMk cId="3019543678" sldId="259"/>
+            <ac:spMk id="49" creationId="{DD2B0DFB-948D-4DE0-A2B7-C79ED4A060BA}"/>
+          </ac:spMkLst>
+        </pc:spChg>
+        <pc:spChg chg="add del">
+          <ac:chgData name="Kylie" userId="d58a86503aa0c486" providerId="LiveId" clId="{D2842C85-4F98-4844-8C6C-33CFC4C70103}" dt="2020-11-07T01:00:31.189" v="758" actId="26606"/>
+          <ac:spMkLst>
+            <pc:docMk/>
+            <pc:sldMk cId="3019543678" sldId="259"/>
+            <ac:spMk id="50" creationId="{5F54226A-15A5-4F46-926F-81F3EC4664A8}"/>
+          </ac:spMkLst>
+        </pc:spChg>
+        <pc:spChg chg="add del">
+          <ac:chgData name="Kylie" userId="d58a86503aa0c486" providerId="LiveId" clId="{D2842C85-4F98-4844-8C6C-33CFC4C70103}" dt="2020-11-05T08:25:05.263" v="168" actId="26606"/>
+          <ac:spMkLst>
+            <pc:docMk/>
+            <pc:sldMk cId="3019543678" sldId="259"/>
+            <ac:spMk id="51" creationId="{5F54226A-15A5-4F46-926F-81F3EC4664A8}"/>
+          </ac:spMkLst>
+        </pc:spChg>
+        <pc:spChg chg="add del">
+          <ac:chgData name="Kylie" userId="d58a86503aa0c486" providerId="LiveId" clId="{D2842C85-4F98-4844-8C6C-33CFC4C70103}" dt="2020-11-05T08:25:05.263" v="168" actId="26606"/>
+          <ac:spMkLst>
+            <pc:docMk/>
+            <pc:sldMk cId="3019543678" sldId="259"/>
+            <ac:spMk id="52" creationId="{CFCF670F-3E94-4C8F-95AE-035FB459B9D2}"/>
+          </ac:spMkLst>
+        </pc:spChg>
+        <pc:spChg chg="add del">
+          <ac:chgData name="Kylie" userId="d58a86503aa0c486" providerId="LiveId" clId="{D2842C85-4F98-4844-8C6C-33CFC4C70103}" dt="2020-11-05T08:25:05.263" v="168" actId="26606"/>
+          <ac:spMkLst>
+            <pc:docMk/>
+            <pc:sldMk cId="3019543678" sldId="259"/>
+            <ac:spMk id="54" creationId="{36D50BAE-2B1C-44EA-98D3-FF227A6942F3}"/>
+          </ac:spMkLst>
+        </pc:spChg>
+        <pc:spChg chg="add del">
+          <ac:chgData name="Kylie" userId="d58a86503aa0c486" providerId="LiveId" clId="{D2842C85-4F98-4844-8C6C-33CFC4C70103}" dt="2020-11-05T08:25:05.263" v="168" actId="26606"/>
+          <ac:spMkLst>
+            <pc:docMk/>
+            <pc:sldMk cId="3019543678" sldId="259"/>
+            <ac:spMk id="55" creationId="{A0354A3E-8646-42D8-BBA1-296667346E2E}"/>
+          </ac:spMkLst>
+        </pc:spChg>
+        <pc:spChg chg="add del">
+          <ac:chgData name="Kylie" userId="d58a86503aa0c486" providerId="LiveId" clId="{D2842C85-4F98-4844-8C6C-33CFC4C70103}" dt="2020-11-05T08:25:05.263" v="168" actId="26606"/>
+          <ac:spMkLst>
+            <pc:docMk/>
+            <pc:sldMk cId="3019543678" sldId="259"/>
+            <ac:spMk id="56" creationId="{8D8F64D4-85B6-4B50-8267-A34225759265}"/>
+          </ac:spMkLst>
+        </pc:spChg>
+        <pc:spChg chg="add del">
+          <ac:chgData name="Kylie" userId="d58a86503aa0c486" providerId="LiveId" clId="{D2842C85-4F98-4844-8C6C-33CFC4C70103}" dt="2020-11-05T08:25:05.263" v="168" actId="26606"/>
+          <ac:spMkLst>
+            <pc:docMk/>
+            <pc:sldMk cId="3019543678" sldId="259"/>
+            <ac:spMk id="57" creationId="{982E57E1-FBFC-4937-B6B9-C381D1C95225}"/>
+          </ac:spMkLst>
+        </pc:spChg>
+        <pc:spChg chg="add del">
+          <ac:chgData name="Kylie" userId="d58a86503aa0c486" providerId="LiveId" clId="{D2842C85-4F98-4844-8C6C-33CFC4C70103}" dt="2020-11-05T08:25:05.263" v="168" actId="26606"/>
+          <ac:spMkLst>
+            <pc:docMk/>
+            <pc:sldMk cId="3019543678" sldId="259"/>
+            <ac:spMk id="59" creationId="{A08B6943-0110-4993-B7F6-7A6A1EC667AE}"/>
+          </ac:spMkLst>
+        </pc:spChg>
+        <pc:spChg chg="add del">
+          <ac:chgData name="Kylie" userId="d58a86503aa0c486" providerId="LiveId" clId="{D2842C85-4F98-4844-8C6C-33CFC4C70103}" dt="2020-11-05T08:25:05.263" v="168" actId="26606"/>
+          <ac:spMkLst>
+            <pc:docMk/>
+            <pc:sldMk cId="3019543678" sldId="259"/>
+            <ac:spMk id="60" creationId="{011BBFEE-907A-4DF1-9F7B-C5211B637BE9}"/>
+          </ac:spMkLst>
+        </pc:spChg>
+        <pc:spChg chg="add del">
+          <ac:chgData name="Kylie" userId="d58a86503aa0c486" providerId="LiveId" clId="{D2842C85-4F98-4844-8C6C-33CFC4C70103}" dt="2020-11-07T01:00:31.189" v="758" actId="26606"/>
+          <ac:spMkLst>
+            <pc:docMk/>
+            <pc:sldMk cId="3019543678" sldId="259"/>
+            <ac:spMk id="61" creationId="{CFCF670F-3E94-4C8F-95AE-035FB459B9D2}"/>
+          </ac:spMkLst>
+        </pc:spChg>
+        <pc:spChg chg="add del">
+          <ac:chgData name="Kylie" userId="d58a86503aa0c486" providerId="LiveId" clId="{D2842C85-4F98-4844-8C6C-33CFC4C70103}" dt="2020-11-07T01:00:31.189" v="758" actId="26606"/>
+          <ac:spMkLst>
+            <pc:docMk/>
+            <pc:sldMk cId="3019543678" sldId="259"/>
+            <ac:spMk id="63" creationId="{36D50BAE-2B1C-44EA-98D3-FF227A6942F3}"/>
+          </ac:spMkLst>
+        </pc:spChg>
+        <pc:spChg chg="add del">
+          <ac:chgData name="Kylie" userId="d58a86503aa0c486" providerId="LiveId" clId="{D2842C85-4F98-4844-8C6C-33CFC4C70103}" dt="2020-11-07T01:00:31.189" v="758" actId="26606"/>
+          <ac:spMkLst>
+            <pc:docMk/>
+            <pc:sldMk cId="3019543678" sldId="259"/>
+            <ac:spMk id="64" creationId="{A0354A3E-8646-42D8-BBA1-296667346E2E}"/>
+          </ac:spMkLst>
+        </pc:spChg>
+        <pc:spChg chg="add del">
+          <ac:chgData name="Kylie" userId="d58a86503aa0c486" providerId="LiveId" clId="{D2842C85-4F98-4844-8C6C-33CFC4C70103}" dt="2020-11-07T01:00:31.189" v="758" actId="26606"/>
+          <ac:spMkLst>
+            <pc:docMk/>
+            <pc:sldMk cId="3019543678" sldId="259"/>
+            <ac:spMk id="65" creationId="{8D8F64D4-85B6-4B50-8267-A34225759265}"/>
+          </ac:spMkLst>
+        </pc:spChg>
+        <pc:spChg chg="add del">
+          <ac:chgData name="Kylie" userId="d58a86503aa0c486" providerId="LiveId" clId="{D2842C85-4F98-4844-8C6C-33CFC4C70103}" dt="2020-11-07T01:00:31.189" v="758" actId="26606"/>
+          <ac:spMkLst>
+            <pc:docMk/>
+            <pc:sldMk cId="3019543678" sldId="259"/>
+            <ac:spMk id="66" creationId="{982E57E1-FBFC-4937-B6B9-C381D1C95225}"/>
+          </ac:spMkLst>
+        </pc:spChg>
+        <pc:spChg chg="add del">
+          <ac:chgData name="Kylie" userId="d58a86503aa0c486" providerId="LiveId" clId="{D2842C85-4F98-4844-8C6C-33CFC4C70103}" dt="2020-11-07T01:00:31.189" v="758" actId="26606"/>
+          <ac:spMkLst>
+            <pc:docMk/>
+            <pc:sldMk cId="3019543678" sldId="259"/>
+            <ac:spMk id="68" creationId="{A08B6943-0110-4993-B7F6-7A6A1EC667AE}"/>
+          </ac:spMkLst>
+        </pc:spChg>
+        <pc:spChg chg="add del">
+          <ac:chgData name="Kylie" userId="d58a86503aa0c486" providerId="LiveId" clId="{D2842C85-4F98-4844-8C6C-33CFC4C70103}" dt="2020-11-07T01:00:31.189" v="758" actId="26606"/>
+          <ac:spMkLst>
+            <pc:docMk/>
+            <pc:sldMk cId="3019543678" sldId="259"/>
+            <ac:spMk id="69" creationId="{011BBFEE-907A-4DF1-9F7B-C5211B637BE9}"/>
+          </ac:spMkLst>
+        </pc:spChg>
+        <pc:picChg chg="add mod">
+          <ac:chgData name="Kylie" userId="d58a86503aa0c486" providerId="LiveId" clId="{D2842C85-4F98-4844-8C6C-33CFC4C70103}" dt="2020-11-07T05:07:48.294" v="2483" actId="1076"/>
+          <ac:picMkLst>
+            <pc:docMk/>
+            <pc:sldMk cId="3019543678" sldId="259"/>
+            <ac:picMk id="3" creationId="{F1FACAF9-9F2A-4DFA-B260-6CACF87B5D23}"/>
+          </ac:picMkLst>
+        </pc:picChg>
+        <pc:picChg chg="del mod ord">
+          <ac:chgData name="Kylie" userId="d58a86503aa0c486" providerId="LiveId" clId="{D2842C85-4F98-4844-8C6C-33CFC4C70103}" dt="2020-11-05T08:18:21.484" v="132" actId="478"/>
+          <ac:picMkLst>
+            <pc:docMk/>
+            <pc:sldMk cId="3019543678" sldId="259"/>
+            <ac:picMk id="4" creationId="{6160A1E5-D4B5-4262-A1EA-53E43CA5116B}"/>
+          </ac:picMkLst>
+        </pc:picChg>
+        <pc:picChg chg="add mod">
+          <ac:chgData name="Kylie" userId="d58a86503aa0c486" providerId="LiveId" clId="{D2842C85-4F98-4844-8C6C-33CFC4C70103}" dt="2020-11-07T05:08:24.274" v="2491" actId="1076"/>
+          <ac:picMkLst>
+            <pc:docMk/>
+            <pc:sldMk cId="3019543678" sldId="259"/>
+            <ac:picMk id="4" creationId="{D2065411-AC49-4BAC-AEE1-091B845940AF}"/>
+          </ac:picMkLst>
+        </pc:picChg>
+        <pc:picChg chg="add mod">
+          <ac:chgData name="Kylie" userId="d58a86503aa0c486" providerId="LiveId" clId="{D2842C85-4F98-4844-8C6C-33CFC4C70103}" dt="2020-11-07T05:09:42.775" v="2496" actId="14100"/>
+          <ac:picMkLst>
+            <pc:docMk/>
+            <pc:sldMk cId="3019543678" sldId="259"/>
+            <ac:picMk id="5" creationId="{870DC1CB-DB28-42D1-ABD0-2F992B2468AF}"/>
+          </ac:picMkLst>
+        </pc:picChg>
+        <pc:picChg chg="del mod">
+          <ac:chgData name="Kylie" userId="d58a86503aa0c486" providerId="LiveId" clId="{D2842C85-4F98-4844-8C6C-33CFC4C70103}" dt="2020-11-05T08:18:20.863" v="131" actId="478"/>
+          <ac:picMkLst>
+            <pc:docMk/>
+            <pc:sldMk cId="3019543678" sldId="259"/>
+            <ac:picMk id="5" creationId="{FCB15AE2-425D-4DB3-B831-302493A3A1B3}"/>
+          </ac:picMkLst>
+        </pc:picChg>
+        <pc:picChg chg="add del mod ord">
+          <ac:chgData name="Kylie" userId="d58a86503aa0c486" providerId="LiveId" clId="{D2842C85-4F98-4844-8C6C-33CFC4C70103}" dt="2020-11-05T08:18:29.925" v="135" actId="478"/>
+          <ac:picMkLst>
+            <pc:docMk/>
+            <pc:sldMk cId="3019543678" sldId="259"/>
+            <ac:picMk id="6" creationId="{AA7E61EE-7F2B-47E3-B46B-AF48D0E2F9BE}"/>
+          </ac:picMkLst>
+        </pc:picChg>
+        <pc:picChg chg="add mod">
+          <ac:chgData name="Kylie" userId="d58a86503aa0c486" providerId="LiveId" clId="{D2842C85-4F98-4844-8C6C-33CFC4C70103}" dt="2020-11-07T05:10:41.435" v="2503" actId="14100"/>
+          <ac:picMkLst>
+            <pc:docMk/>
+            <pc:sldMk cId="3019543678" sldId="259"/>
+            <ac:picMk id="6" creationId="{CD9412B0-037E-4F42-B422-070CC99C9F75}"/>
+          </ac:picMkLst>
+        </pc:picChg>
+        <pc:picChg chg="add del mod">
+          <ac:chgData name="Kylie" userId="d58a86503aa0c486" providerId="LiveId" clId="{D2842C85-4F98-4844-8C6C-33CFC4C70103}" dt="2020-11-05T08:18:30.695" v="136" actId="478"/>
+          <ac:picMkLst>
+            <pc:docMk/>
+            <pc:sldMk cId="3019543678" sldId="259"/>
+            <ac:picMk id="7" creationId="{C23E622C-8D2C-4557-A538-20EFB5EFF441}"/>
+          </ac:picMkLst>
+        </pc:picChg>
+        <pc:picChg chg="add del mod">
+          <ac:chgData name="Kylie" userId="d58a86503aa0c486" providerId="LiveId" clId="{D2842C85-4F98-4844-8C6C-33CFC4C70103}" dt="2020-11-07T05:07:44.134" v="2482" actId="478"/>
+          <ac:picMkLst>
+            <pc:docMk/>
+            <pc:sldMk cId="3019543678" sldId="259"/>
+            <ac:picMk id="10" creationId="{FDA2C62C-53D4-4C7D-851B-6DEDC393E3E2}"/>
+          </ac:picMkLst>
+        </pc:picChg>
+        <pc:picChg chg="add del mod ord">
+          <ac:chgData name="Kylie" userId="d58a86503aa0c486" providerId="LiveId" clId="{D2842C85-4F98-4844-8C6C-33CFC4C70103}" dt="2020-11-07T05:08:10.414" v="2484" actId="478"/>
+          <ac:picMkLst>
+            <pc:docMk/>
+            <pc:sldMk cId="3019543678" sldId="259"/>
+            <ac:picMk id="11" creationId="{F9B534E8-AC94-4927-8088-BF1EF7EE8F66}"/>
+          </ac:picMkLst>
+        </pc:picChg>
+        <pc:picChg chg="add mod ord">
+          <ac:chgData name="Kylie" userId="d58a86503aa0c486" providerId="LiveId" clId="{D2842C85-4F98-4844-8C6C-33CFC4C70103}" dt="2020-11-07T01:00:31.189" v="758" actId="26606"/>
+          <ac:picMkLst>
+            <pc:docMk/>
+            <pc:sldMk cId="3019543678" sldId="259"/>
+            <ac:picMk id="13" creationId="{4B96D48E-9677-4087-99E9-9BCB137984F2}"/>
+          </ac:picMkLst>
+        </pc:picChg>
+        <pc:picChg chg="add del mod">
+          <ac:chgData name="Kylie" userId="d58a86503aa0c486" providerId="LiveId" clId="{D2842C85-4F98-4844-8C6C-33CFC4C70103}" dt="2020-11-05T08:33:57.219" v="218" actId="478"/>
+          <ac:picMkLst>
+            <pc:docMk/>
+            <pc:sldMk cId="3019543678" sldId="259"/>
+            <ac:picMk id="15" creationId="{996E7C85-B80B-443F-AFF0-B855F54FABF6}"/>
+          </ac:picMkLst>
+        </pc:picChg>
+        <pc:picChg chg="add del mod">
+          <ac:chgData name="Kylie" userId="d58a86503aa0c486" providerId="LiveId" clId="{D2842C85-4F98-4844-8C6C-33CFC4C70103}" dt="2020-11-05T08:31:29.138" v="197" actId="478"/>
+          <ac:picMkLst>
+            <pc:docMk/>
+            <pc:sldMk cId="3019543678" sldId="259"/>
+            <ac:picMk id="17" creationId="{D4457567-6D12-487A-8280-AAA649402D9C}"/>
+          </ac:picMkLst>
+        </pc:picChg>
+        <pc:picChg chg="add del mod ord">
+          <ac:chgData name="Kylie" userId="d58a86503aa0c486" providerId="LiveId" clId="{D2842C85-4F98-4844-8C6C-33CFC4C70103}" dt="2020-11-05T08:32:32.120" v="205" actId="478"/>
+          <ac:picMkLst>
+            <pc:docMk/>
+            <pc:sldMk cId="3019543678" sldId="259"/>
+            <ac:picMk id="19" creationId="{E0251CE0-058B-4AD3-A7BC-52A6942EC028}"/>
+          </ac:picMkLst>
+        </pc:picChg>
+        <pc:picChg chg="add del mod ord">
+          <ac:chgData name="Kylie" userId="d58a86503aa0c486" providerId="LiveId" clId="{D2842C85-4F98-4844-8C6C-33CFC4C70103}" dt="2020-11-05T08:35:55.798" v="228" actId="478"/>
+          <ac:picMkLst>
+            <pc:docMk/>
+            <pc:sldMk cId="3019543678" sldId="259"/>
+            <ac:picMk id="21" creationId="{226C5EF0-A51B-4E26-BA93-D26648D01734}"/>
+          </ac:picMkLst>
+        </pc:picChg>
+        <pc:picChg chg="add del mod ord">
+          <ac:chgData name="Kylie" userId="d58a86503aa0c486" providerId="LiveId" clId="{D2842C85-4F98-4844-8C6C-33CFC4C70103}" dt="2020-11-05T08:30:26.090" v="192" actId="478"/>
+          <ac:picMkLst>
+            <pc:docMk/>
+            <pc:sldMk cId="3019543678" sldId="259"/>
+            <ac:picMk id="23" creationId="{D4B2E6E8-3063-4592-B18B-6D4517292EF8}"/>
+          </ac:picMkLst>
+        </pc:picChg>
+        <pc:picChg chg="add del mod">
+          <ac:chgData name="Kylie" userId="d58a86503aa0c486" providerId="LiveId" clId="{D2842C85-4F98-4844-8C6C-33CFC4C70103}" dt="2020-11-07T05:09:14.285" v="2492" actId="478"/>
+          <ac:picMkLst>
+            <pc:docMk/>
+            <pc:sldMk cId="3019543678" sldId="259"/>
+            <ac:picMk id="25" creationId="{7E2CD5DE-09DF-4C20-9AAD-787A4505A0FD}"/>
+          </ac:picMkLst>
+        </pc:picChg>
+        <pc:picChg chg="add del mod">
+          <ac:chgData name="Kylie" userId="d58a86503aa0c486" providerId="LiveId" clId="{D2842C85-4F98-4844-8C6C-33CFC4C70103}" dt="2020-11-07T05:09:49.294" v="2497" actId="478"/>
+          <ac:picMkLst>
+            <pc:docMk/>
+            <pc:sldMk cId="3019543678" sldId="259"/>
+            <ac:picMk id="26" creationId="{E027F383-633D-44F2-85B2-D487C336FFDE}"/>
+          </ac:picMkLst>
+        </pc:picChg>
+        <pc:cxnChg chg="add del">
+          <ac:chgData name="Kylie" userId="d58a86503aa0c486" providerId="LiveId" clId="{D2842C85-4F98-4844-8C6C-33CFC4C70103}" dt="2020-11-05T08:26:03.072" v="172" actId="700"/>
+          <ac:cxnSpMkLst>
+            <pc:docMk/>
+            <pc:sldMk cId="3019543678" sldId="259"/>
+            <ac:cxnSpMk id="16" creationId="{42D988CC-1BCA-4015-B859-258C2B796EAB}"/>
+          </ac:cxnSpMkLst>
+        </pc:cxnChg>
+        <pc:cxnChg chg="add del">
+          <ac:chgData name="Kylie" userId="d58a86503aa0c486" providerId="LiveId" clId="{D2842C85-4F98-4844-8C6C-33CFC4C70103}" dt="2020-11-05T08:26:03.072" v="172" actId="700"/>
+          <ac:cxnSpMkLst>
+            <pc:docMk/>
+            <pc:sldMk cId="3019543678" sldId="259"/>
+            <ac:cxnSpMk id="20" creationId="{9DE56645-2866-441C-89AC-EEC913F431E4}"/>
+          </ac:cxnSpMkLst>
+        </pc:cxnChg>
+        <pc:cxnChg chg="add del">
+          <ac:chgData name="Kylie" userId="d58a86503aa0c486" providerId="LiveId" clId="{D2842C85-4F98-4844-8C6C-33CFC4C70103}" dt="2020-11-07T01:00:28.233" v="756" actId="26606"/>
+          <ac:cxnSpMkLst>
+            <pc:docMk/>
+            <pc:sldMk cId="3019543678" sldId="259"/>
+            <ac:cxnSpMk id="32" creationId="{90479AEA-6C87-4786-A668-54BF815A73D7}"/>
+          </ac:cxnSpMkLst>
+        </pc:cxnChg>
+        <pc:cxnChg chg="add del">
+          <ac:chgData name="Kylie" userId="d58a86503aa0c486" providerId="LiveId" clId="{D2842C85-4F98-4844-8C6C-33CFC4C70103}" dt="2020-11-05T08:24:59.395" v="166" actId="26606"/>
+          <ac:cxnSpMkLst>
+            <pc:docMk/>
+            <pc:sldMk cId="3019543678" sldId="259"/>
+            <ac:cxnSpMk id="33" creationId="{90479AEA-6C87-4786-A668-54BF815A73D7}"/>
+          </ac:cxnSpMkLst>
+        </pc:cxnChg>
+        <pc:cxnChg chg="add del">
+          <ac:chgData name="Kylie" userId="d58a86503aa0c486" providerId="LiveId" clId="{D2842C85-4F98-4844-8C6C-33CFC4C70103}" dt="2020-11-07T01:00:28.233" v="756" actId="26606"/>
+          <ac:cxnSpMkLst>
+            <pc:docMk/>
+            <pc:sldMk cId="3019543678" sldId="259"/>
+            <ac:cxnSpMk id="44" creationId="{2643966D-84D0-49C3-9412-0C410587FFB1}"/>
+          </ac:cxnSpMkLst>
+        </pc:cxnChg>
+        <pc:cxnChg chg="add del">
+          <ac:chgData name="Kylie" userId="d58a86503aa0c486" providerId="LiveId" clId="{D2842C85-4F98-4844-8C6C-33CFC4C70103}" dt="2020-11-05T08:24:59.395" v="166" actId="26606"/>
+          <ac:cxnSpMkLst>
+            <pc:docMk/>
+            <pc:sldMk cId="3019543678" sldId="259"/>
+            <ac:cxnSpMk id="45" creationId="{2643966D-84D0-49C3-9412-0C410587FFB1}"/>
+          </ac:cxnSpMkLst>
+        </pc:cxnChg>
+        <pc:cxnChg chg="add del">
+          <ac:chgData name="Kylie" userId="d58a86503aa0c486" providerId="LiveId" clId="{D2842C85-4F98-4844-8C6C-33CFC4C70103}" dt="2020-11-05T08:25:05.263" v="168" actId="26606"/>
+          <ac:cxnSpMkLst>
+            <pc:docMk/>
+            <pc:sldMk cId="3019543678" sldId="259"/>
+            <ac:cxnSpMk id="53" creationId="{90479AEA-6C87-4786-A668-54BF815A73D7}"/>
+          </ac:cxnSpMkLst>
+        </pc:cxnChg>
+        <pc:cxnChg chg="add del">
+          <ac:chgData name="Kylie" userId="d58a86503aa0c486" providerId="LiveId" clId="{D2842C85-4F98-4844-8C6C-33CFC4C70103}" dt="2020-11-05T08:25:05.263" v="168" actId="26606"/>
+          <ac:cxnSpMkLst>
+            <pc:docMk/>
+            <pc:sldMk cId="3019543678" sldId="259"/>
+            <ac:cxnSpMk id="58" creationId="{7105A204-F287-4494-909D-5FD20667E7D1}"/>
+          </ac:cxnSpMkLst>
+        </pc:cxnChg>
+        <pc:cxnChg chg="add del">
+          <ac:chgData name="Kylie" userId="d58a86503aa0c486" providerId="LiveId" clId="{D2842C85-4F98-4844-8C6C-33CFC4C70103}" dt="2020-11-07T01:00:31.189" v="758" actId="26606"/>
+          <ac:cxnSpMkLst>
+            <pc:docMk/>
+            <pc:sldMk cId="3019543678" sldId="259"/>
+            <ac:cxnSpMk id="62" creationId="{90479AEA-6C87-4786-A668-54BF815A73D7}"/>
+          </ac:cxnSpMkLst>
+        </pc:cxnChg>
+        <pc:cxnChg chg="add del">
+          <ac:chgData name="Kylie" userId="d58a86503aa0c486" providerId="LiveId" clId="{D2842C85-4F98-4844-8C6C-33CFC4C70103}" dt="2020-11-07T01:00:31.189" v="758" actId="26606"/>
+          <ac:cxnSpMkLst>
+            <pc:docMk/>
+            <pc:sldMk cId="3019543678" sldId="259"/>
+            <ac:cxnSpMk id="67" creationId="{7105A204-F287-4494-909D-5FD20667E7D1}"/>
+          </ac:cxnSpMkLst>
+        </pc:cxnChg>
+      </pc:sldChg>
+      <pc:sldChg chg="addSp delSp modSp del mod setBg">
+        <pc:chgData name="Kylie" userId="d58a86503aa0c486" providerId="LiveId" clId="{D2842C85-4F98-4844-8C6C-33CFC4C70103}" dt="2020-11-07T02:25:41.789" v="929" actId="2696"/>
+        <pc:sldMkLst>
+          <pc:docMk/>
+          <pc:sldMk cId="767783126" sldId="260"/>
+        </pc:sldMkLst>
+        <pc:spChg chg="mod">
+          <ac:chgData name="Kylie" userId="d58a86503aa0c486" providerId="LiveId" clId="{D2842C85-4F98-4844-8C6C-33CFC4C70103}" dt="2020-11-07T02:08:07.898" v="826" actId="20577"/>
+          <ac:spMkLst>
+            <pc:docMk/>
+            <pc:sldMk cId="767783126" sldId="260"/>
+            <ac:spMk id="2" creationId="{08DBDBF3-958E-444E-ADF6-97A33DCA0DEE}"/>
+          </ac:spMkLst>
+        </pc:spChg>
+        <pc:spChg chg="mod ord">
+          <ac:chgData name="Kylie" userId="d58a86503aa0c486" providerId="LiveId" clId="{D2842C85-4F98-4844-8C6C-33CFC4C70103}" dt="2020-11-07T00:56:12.668" v="711" actId="26606"/>
+          <ac:spMkLst>
+            <pc:docMk/>
+            <pc:sldMk cId="767783126" sldId="260"/>
+            <ac:spMk id="3" creationId="{9BA8452C-9358-47B7-9271-FFDDBA6F46E5}"/>
+          </ac:spMkLst>
+        </pc:spChg>
+        <pc:spChg chg="add del">
+          <ac:chgData name="Kylie" userId="d58a86503aa0c486" providerId="LiveId" clId="{D2842C85-4F98-4844-8C6C-33CFC4C70103}" dt="2020-11-07T00:56:12.660" v="710" actId="26606"/>
+          <ac:spMkLst>
+            <pc:docMk/>
+            <pc:sldMk cId="767783126" sldId="260"/>
+            <ac:spMk id="9" creationId="{52ABB703-2B0E-4C3B-B4A2-F3973548E561}"/>
+          </ac:spMkLst>
+        </pc:spChg>
+        <pc:spChg chg="add del">
+          <ac:chgData name="Kylie" userId="d58a86503aa0c486" providerId="LiveId" clId="{D2842C85-4F98-4844-8C6C-33CFC4C70103}" dt="2020-11-07T00:56:12.660" v="710" actId="26606"/>
+          <ac:spMkLst>
+            <pc:docMk/>
+            <pc:sldMk cId="767783126" sldId="260"/>
+            <ac:spMk id="13" creationId="{E95DA498-D9A2-4DA9-B9DA-B3776E08CF7E}"/>
+          </ac:spMkLst>
+        </pc:spChg>
+        <pc:spChg chg="add del">
+          <ac:chgData name="Kylie" userId="d58a86503aa0c486" providerId="LiveId" clId="{D2842C85-4F98-4844-8C6C-33CFC4C70103}" dt="2020-11-07T00:56:12.660" v="710" actId="26606"/>
+          <ac:spMkLst>
+            <pc:docMk/>
+            <pc:sldMk cId="767783126" sldId="260"/>
+            <ac:spMk id="15" creationId="{82A73093-4B9D-420D-B17E-52293703A1D4}"/>
+          </ac:spMkLst>
+        </pc:spChg>
+        <pc:spChg chg="add">
+          <ac:chgData name="Kylie" userId="d58a86503aa0c486" providerId="LiveId" clId="{D2842C85-4F98-4844-8C6C-33CFC4C70103}" dt="2020-11-07T00:56:12.668" v="711" actId="26606"/>
+          <ac:spMkLst>
+            <pc:docMk/>
+            <pc:sldMk cId="767783126" sldId="260"/>
+            <ac:spMk id="17" creationId="{284B70D5-875B-433D-BDBD-1522A85D6C1D}"/>
+          </ac:spMkLst>
+        </pc:spChg>
+        <pc:spChg chg="add">
+          <ac:chgData name="Kylie" userId="d58a86503aa0c486" providerId="LiveId" clId="{D2842C85-4F98-4844-8C6C-33CFC4C70103}" dt="2020-11-07T00:56:12.668" v="711" actId="26606"/>
+          <ac:spMkLst>
+            <pc:docMk/>
+            <pc:sldMk cId="767783126" sldId="260"/>
+            <ac:spMk id="19" creationId="{1E299956-A9E7-4FC1-A0B1-D590CA9730E8}"/>
+          </ac:spMkLst>
+        </pc:spChg>
+        <pc:spChg chg="add">
+          <ac:chgData name="Kylie" userId="d58a86503aa0c486" providerId="LiveId" clId="{D2842C85-4F98-4844-8C6C-33CFC4C70103}" dt="2020-11-07T00:56:12.668" v="711" actId="26606"/>
+          <ac:spMkLst>
+            <pc:docMk/>
+            <pc:sldMk cId="767783126" sldId="260"/>
+            <ac:spMk id="20" creationId="{17FC539C-B783-4B03-9F9E-D13430F3F64F}"/>
+          </ac:spMkLst>
+        </pc:spChg>
+        <pc:picChg chg="add del mod">
+          <ac:chgData name="Kylie" userId="d58a86503aa0c486" providerId="LiveId" clId="{D2842C85-4F98-4844-8C6C-33CFC4C70103}" dt="2020-11-07T02:08:03.033" v="825" actId="478"/>
+          <ac:picMkLst>
+            <pc:docMk/>
+            <pc:sldMk cId="767783126" sldId="260"/>
+            <ac:picMk id="4" creationId="{A3CBFADA-49F0-4A0D-BE76-F6BB2286D113}"/>
+          </ac:picMkLst>
+        </pc:picChg>
+        <pc:picChg chg="add del mod">
+          <ac:chgData name="Kylie" userId="d58a86503aa0c486" providerId="LiveId" clId="{D2842C85-4F98-4844-8C6C-33CFC4C70103}" dt="2020-11-05T08:56:08.227" v="274" actId="478"/>
+          <ac:picMkLst>
+            <pc:docMk/>
+            <pc:sldMk cId="767783126" sldId="260"/>
+            <ac:picMk id="5" creationId="{A5A73D21-26BE-48DD-9DB2-339CF9EE27BB}"/>
+          </ac:picMkLst>
+        </pc:picChg>
+        <pc:cxnChg chg="add del">
+          <ac:chgData name="Kylie" userId="d58a86503aa0c486" providerId="LiveId" clId="{D2842C85-4F98-4844-8C6C-33CFC4C70103}" dt="2020-11-07T00:56:12.660" v="710" actId="26606"/>
+          <ac:cxnSpMkLst>
+            <pc:docMk/>
+            <pc:sldMk cId="767783126" sldId="260"/>
+            <ac:cxnSpMk id="11" creationId="{9C21570E-E159-49A6-9891-FA397B7A92D3}"/>
+          </ac:cxnSpMkLst>
+        </pc:cxnChg>
+        <pc:cxnChg chg="add">
+          <ac:chgData name="Kylie" userId="d58a86503aa0c486" providerId="LiveId" clId="{D2842C85-4F98-4844-8C6C-33CFC4C70103}" dt="2020-11-07T00:56:12.668" v="711" actId="26606"/>
+          <ac:cxnSpMkLst>
+            <pc:docMk/>
+            <pc:sldMk cId="767783126" sldId="260"/>
+            <ac:cxnSpMk id="18" creationId="{C947DF4A-614C-4B4C-8B80-E5B9D8E8CFED}"/>
+          </ac:cxnSpMkLst>
+        </pc:cxnChg>
+      </pc:sldChg>
+      <pc:sldChg chg="addSp delSp modSp mod setBg modClrScheme chgLayout">
+        <pc:chgData name="Kylie" userId="d58a86503aa0c486" providerId="LiveId" clId="{D2842C85-4F98-4844-8C6C-33CFC4C70103}" dt="2020-11-07T03:04:09.876" v="2235" actId="20577"/>
+        <pc:sldMkLst>
+          <pc:docMk/>
+          <pc:sldMk cId="2744859838" sldId="261"/>
+        </pc:sldMkLst>
+        <pc:spChg chg="del mod ord">
+          <ac:chgData name="Kylie" userId="d58a86503aa0c486" providerId="LiveId" clId="{D2842C85-4F98-4844-8C6C-33CFC4C70103}" dt="2020-11-07T02:18:56.503" v="838" actId="21"/>
+          <ac:spMkLst>
+            <pc:docMk/>
+            <pc:sldMk cId="2744859838" sldId="261"/>
+            <ac:spMk id="2" creationId="{DE706642-5F80-46F9-9B77-E8A9A484DD80}"/>
+          </ac:spMkLst>
+        </pc:spChg>
+        <pc:spChg chg="del mod ord">
+          <ac:chgData name="Kylie" userId="d58a86503aa0c486" providerId="LiveId" clId="{D2842C85-4F98-4844-8C6C-33CFC4C70103}" dt="2020-11-07T02:18:40.555" v="835" actId="700"/>
+          <ac:spMkLst>
+            <pc:docMk/>
+            <pc:sldMk cId="2744859838" sldId="261"/>
+            <ac:spMk id="3" creationId="{6252907F-59A4-45B5-8037-50FA2A1FEB0B}"/>
+          </ac:spMkLst>
+        </pc:spChg>
+        <pc:spChg chg="add mod ord">
+          <ac:chgData name="Kylie" userId="d58a86503aa0c486" providerId="LiveId" clId="{D2842C85-4F98-4844-8C6C-33CFC4C70103}" dt="2020-11-07T03:04:09.876" v="2235" actId="20577"/>
+          <ac:spMkLst>
+            <pc:docMk/>
+            <pc:sldMk cId="2744859838" sldId="261"/>
+            <ac:spMk id="6" creationId="{970B8112-254C-4B32-9447-43EC3A8F1C46}"/>
+          </ac:spMkLst>
+        </pc:spChg>
+        <pc:spChg chg="add del">
+          <ac:chgData name="Kylie" userId="d58a86503aa0c486" providerId="LiveId" clId="{D2842C85-4F98-4844-8C6C-33CFC4C70103}" dt="2020-11-07T02:18:28.112" v="833" actId="26606"/>
+          <ac:spMkLst>
+            <pc:docMk/>
+            <pc:sldMk cId="2744859838" sldId="261"/>
+            <ac:spMk id="9" creationId="{10162E77-11AD-44A7-84EC-40C59EEFBD2E}"/>
+          </ac:spMkLst>
+        </pc:spChg>
+        <pc:spChg chg="add del">
+          <ac:chgData name="Kylie" userId="d58a86503aa0c486" providerId="LiveId" clId="{D2842C85-4F98-4844-8C6C-33CFC4C70103}" dt="2020-11-07T02:18:28.112" v="833" actId="26606"/>
+          <ac:spMkLst>
+            <pc:docMk/>
+            <pc:sldMk cId="2744859838" sldId="261"/>
+            <ac:spMk id="13" creationId="{6329CBCE-21AE-419D-AC1F-8ACF510A6670}"/>
+          </ac:spMkLst>
+        </pc:spChg>
+        <pc:spChg chg="add del">
+          <ac:chgData name="Kylie" userId="d58a86503aa0c486" providerId="LiveId" clId="{D2842C85-4F98-4844-8C6C-33CFC4C70103}" dt="2020-11-07T02:18:28.112" v="833" actId="26606"/>
+          <ac:spMkLst>
+            <pc:docMk/>
+            <pc:sldMk cId="2744859838" sldId="261"/>
+            <ac:spMk id="15" creationId="{FF2DA012-1414-493D-888F-5D99D0BDA322}"/>
+          </ac:spMkLst>
+        </pc:spChg>
+        <pc:picChg chg="add del mod">
+          <ac:chgData name="Kylie" userId="d58a86503aa0c486" providerId="LiveId" clId="{D2842C85-4F98-4844-8C6C-33CFC4C70103}" dt="2020-11-07T02:18:32.875" v="834" actId="21"/>
+          <ac:picMkLst>
+            <pc:docMk/>
+            <pc:sldMk cId="2744859838" sldId="261"/>
+            <ac:picMk id="4" creationId="{A24FE04C-B341-4D7C-95D9-F4A43A6E8473}"/>
+          </ac:picMkLst>
+        </pc:picChg>
+        <pc:picChg chg="add mod">
+          <ac:chgData name="Kylie" userId="d58a86503aa0c486" providerId="LiveId" clId="{D2842C85-4F98-4844-8C6C-33CFC4C70103}" dt="2020-11-07T02:23:03.158" v="861" actId="14100"/>
+          <ac:picMkLst>
+            <pc:docMk/>
+            <pc:sldMk cId="2744859838" sldId="261"/>
+            <ac:picMk id="5" creationId="{5B4E52EB-A062-4FFF-8B24-B513AB44C909}"/>
+          </ac:picMkLst>
+        </pc:picChg>
+        <pc:picChg chg="add mod">
+          <ac:chgData name="Kylie" userId="d58a86503aa0c486" providerId="LiveId" clId="{D2842C85-4F98-4844-8C6C-33CFC4C70103}" dt="2020-11-07T02:22:59.590" v="860" actId="14100"/>
+          <ac:picMkLst>
+            <pc:docMk/>
+            <pc:sldMk cId="2744859838" sldId="261"/>
+            <ac:picMk id="7" creationId="{EF5E1656-8881-49D5-9627-27E0BC97B216}"/>
+          </ac:picMkLst>
+        </pc:picChg>
+        <pc:cxnChg chg="add del">
+          <ac:chgData name="Kylie" userId="d58a86503aa0c486" providerId="LiveId" clId="{D2842C85-4F98-4844-8C6C-33CFC4C70103}" dt="2020-11-07T02:18:28.112" v="833" actId="26606"/>
+          <ac:cxnSpMkLst>
+            <pc:docMk/>
+            <pc:sldMk cId="2744859838" sldId="261"/>
+            <ac:cxnSpMk id="11" creationId="{5AB158E9-1B40-4CD6-95F0-95CA11DF7B7A}"/>
+          </ac:cxnSpMkLst>
+        </pc:cxnChg>
+      </pc:sldChg>
+      <pc:sldChg chg="addSp delSp modSp mod setBg">
+        <pc:chgData name="Kylie" userId="d58a86503aa0c486" providerId="LiveId" clId="{D2842C85-4F98-4844-8C6C-33CFC4C70103}" dt="2020-11-07T02:31:37.164" v="1021" actId="1076"/>
+        <pc:sldMkLst>
+          <pc:docMk/>
+          <pc:sldMk cId="2649189004" sldId="262"/>
+        </pc:sldMkLst>
+        <pc:spChg chg="mod">
+          <ac:chgData name="Kylie" userId="d58a86503aa0c486" providerId="LiveId" clId="{D2842C85-4F98-4844-8C6C-33CFC4C70103}" dt="2020-11-07T00:56:45.455" v="713"/>
+          <ac:spMkLst>
+            <pc:docMk/>
+            <pc:sldMk cId="2649189004" sldId="262"/>
+            <ac:spMk id="2" creationId="{4609BC24-FE50-44B7-B930-E9F4FD62F23B}"/>
+          </ac:spMkLst>
+        </pc:spChg>
+        <pc:spChg chg="del mod">
+          <ac:chgData name="Kylie" userId="d58a86503aa0c486" providerId="LiveId" clId="{D2842C85-4F98-4844-8C6C-33CFC4C70103}" dt="2020-11-07T00:56:34.331" v="712" actId="26606"/>
+          <ac:spMkLst>
+            <pc:docMk/>
+            <pc:sldMk cId="2649189004" sldId="262"/>
+            <ac:spMk id="3" creationId="{332673F3-A9B7-4008-8129-4EDE6DB355DF}"/>
+          </ac:spMkLst>
+        </pc:spChg>
+        <pc:spChg chg="add">
+          <ac:chgData name="Kylie" userId="d58a86503aa0c486" providerId="LiveId" clId="{D2842C85-4F98-4844-8C6C-33CFC4C70103}" dt="2020-11-07T00:56:34.331" v="712" actId="26606"/>
+          <ac:spMkLst>
+            <pc:docMk/>
+            <pc:sldMk cId="2649189004" sldId="262"/>
+            <ac:spMk id="12" creationId="{4E4490D0-3672-446A-AC12-B4830333BDDD}"/>
+          </ac:spMkLst>
+        </pc:spChg>
+        <pc:spChg chg="add">
+          <ac:chgData name="Kylie" userId="d58a86503aa0c486" providerId="LiveId" clId="{D2842C85-4F98-4844-8C6C-33CFC4C70103}" dt="2020-11-07T00:56:34.331" v="712" actId="26606"/>
+          <ac:spMkLst>
+            <pc:docMk/>
+            <pc:sldMk cId="2649189004" sldId="262"/>
+            <ac:spMk id="14" creationId="{39CB82C2-DF65-4EC1-8280-F201D50F570B}"/>
+          </ac:spMkLst>
+        </pc:spChg>
+        <pc:spChg chg="add">
+          <ac:chgData name="Kylie" userId="d58a86503aa0c486" providerId="LiveId" clId="{D2842C85-4F98-4844-8C6C-33CFC4C70103}" dt="2020-11-07T00:56:34.331" v="712" actId="26606"/>
+          <ac:spMkLst>
+            <pc:docMk/>
+            <pc:sldMk cId="2649189004" sldId="262"/>
+            <ac:spMk id="18" creationId="{FA4CD5CB-D209-4D70-8CA4-629731C59219}"/>
+          </ac:spMkLst>
+        </pc:spChg>
+        <pc:spChg chg="add">
+          <ac:chgData name="Kylie" userId="d58a86503aa0c486" providerId="LiveId" clId="{D2842C85-4F98-4844-8C6C-33CFC4C70103}" dt="2020-11-07T00:56:34.331" v="712" actId="26606"/>
+          <ac:spMkLst>
+            <pc:docMk/>
+            <pc:sldMk cId="2649189004" sldId="262"/>
+            <ac:spMk id="22" creationId="{B4C27B90-DF2B-4D00-BA07-18ED774CD2F1}"/>
+          </ac:spMkLst>
+        </pc:spChg>
+        <pc:spChg chg="add">
+          <ac:chgData name="Kylie" userId="d58a86503aa0c486" providerId="LiveId" clId="{D2842C85-4F98-4844-8C6C-33CFC4C70103}" dt="2020-11-07T00:56:34.331" v="712" actId="26606"/>
+          <ac:spMkLst>
+            <pc:docMk/>
+            <pc:sldMk cId="2649189004" sldId="262"/>
+            <ac:spMk id="24" creationId="{593ACC25-C262-417A-8AA9-0641C772BDB6}"/>
+          </ac:spMkLst>
+        </pc:spChg>
+        <pc:picChg chg="add mod">
+          <ac:chgData name="Kylie" userId="d58a86503aa0c486" providerId="LiveId" clId="{D2842C85-4F98-4844-8C6C-33CFC4C70103}" dt="2020-11-07T02:31:37.164" v="1021" actId="1076"/>
+          <ac:picMkLst>
+            <pc:docMk/>
+            <pc:sldMk cId="2649189004" sldId="262"/>
+            <ac:picMk id="4" creationId="{754391C6-A361-44CE-A556-723AEC47A33D}"/>
+          </ac:picMkLst>
+        </pc:picChg>
+        <pc:picChg chg="mod">
+          <ac:chgData name="Kylie" userId="d58a86503aa0c486" providerId="LiveId" clId="{D2842C85-4F98-4844-8C6C-33CFC4C70103}" dt="2020-11-07T02:31:14.583" v="1017" actId="1076"/>
+          <ac:picMkLst>
+            <pc:docMk/>
+            <pc:sldMk cId="2649189004" sldId="262"/>
+            <ac:picMk id="7" creationId="{6F40EB38-7D1C-4F41-B92C-9E31B0E9C441}"/>
+          </ac:picMkLst>
+        </pc:picChg>
+        <pc:picChg chg="add del mod">
+          <ac:chgData name="Kylie" userId="d58a86503aa0c486" providerId="LiveId" clId="{D2842C85-4F98-4844-8C6C-33CFC4C70103}" dt="2020-11-05T08:56:05.622" v="273" actId="22"/>
+          <ac:picMkLst>
+            <pc:docMk/>
+            <pc:sldMk cId="2649189004" sldId="262"/>
+            <ac:picMk id="9" creationId="{B18CEC1E-5377-4E5D-B108-8CAE04248BDA}"/>
+          </ac:picMkLst>
+        </pc:picChg>
+        <pc:cxnChg chg="add">
+          <ac:chgData name="Kylie" userId="d58a86503aa0c486" providerId="LiveId" clId="{D2842C85-4F98-4844-8C6C-33CFC4C70103}" dt="2020-11-07T00:56:34.331" v="712" actId="26606"/>
+          <ac:cxnSpMkLst>
+            <pc:docMk/>
+            <pc:sldMk cId="2649189004" sldId="262"/>
+            <ac:cxnSpMk id="16" creationId="{7E1D4427-852B-4B37-8E76-0E9F1810BA2A}"/>
+          </ac:cxnSpMkLst>
+        </pc:cxnChg>
+        <pc:cxnChg chg="add">
+          <ac:chgData name="Kylie" userId="d58a86503aa0c486" providerId="LiveId" clId="{D2842C85-4F98-4844-8C6C-33CFC4C70103}" dt="2020-11-07T00:56:34.331" v="712" actId="26606"/>
+          <ac:cxnSpMkLst>
+            <pc:docMk/>
+            <pc:sldMk cId="2649189004" sldId="262"/>
+            <ac:cxnSpMk id="20" creationId="{5C6A2BAE-B461-4B55-8E1F-0722ABDD1393}"/>
+          </ac:cxnSpMkLst>
+        </pc:cxnChg>
+      </pc:sldChg>
+      <pc:sldChg chg="addSp modSp mod setBg">
+        <pc:chgData name="Kylie" userId="d58a86503aa0c486" providerId="LiveId" clId="{D2842C85-4F98-4844-8C6C-33CFC4C70103}" dt="2020-11-07T16:33:47.485" v="2722" actId="20577"/>
+        <pc:sldMkLst>
+          <pc:docMk/>
+          <pc:sldMk cId="3637781760" sldId="263"/>
+        </pc:sldMkLst>
+        <pc:spChg chg="mod">
+          <ac:chgData name="Kylie" userId="d58a86503aa0c486" providerId="LiveId" clId="{D2842C85-4F98-4844-8C6C-33CFC4C70103}" dt="2020-11-07T16:22:12.892" v="2641" actId="20577"/>
+          <ac:spMkLst>
+            <pc:docMk/>
+            <pc:sldMk cId="3637781760" sldId="263"/>
+            <ac:spMk id="2" creationId="{D9AF323F-BB39-47FB-8C61-FBDC07E5BF15}"/>
+          </ac:spMkLst>
+        </pc:spChg>
+        <pc:spChg chg="mod ord">
+          <ac:chgData name="Kylie" userId="d58a86503aa0c486" providerId="LiveId" clId="{D2842C85-4F98-4844-8C6C-33CFC4C70103}" dt="2020-11-07T16:33:47.485" v="2722" actId="20577"/>
+          <ac:spMkLst>
+            <pc:docMk/>
+            <pc:sldMk cId="3637781760" sldId="263"/>
+            <ac:spMk id="3" creationId="{0EB76513-B67E-4F54-9099-B8DB150A3149}"/>
+          </ac:spMkLst>
+        </pc:spChg>
+        <pc:spChg chg="add">
+          <ac:chgData name="Kylie" userId="d58a86503aa0c486" providerId="LiveId" clId="{D2842C85-4F98-4844-8C6C-33CFC4C70103}" dt="2020-11-05T08:55:01.713" v="263" actId="26606"/>
+          <ac:spMkLst>
+            <pc:docMk/>
+            <pc:sldMk cId="3637781760" sldId="263"/>
+            <ac:spMk id="10" creationId="{C33BF9DD-8A45-4EEE-B231-0A14D322E5F9}"/>
+          </ac:spMkLst>
+        </pc:spChg>
+        <pc:spChg chg="add">
+          <ac:chgData name="Kylie" userId="d58a86503aa0c486" providerId="LiveId" clId="{D2842C85-4F98-4844-8C6C-33CFC4C70103}" dt="2020-11-05T08:55:01.713" v="263" actId="26606"/>
+          <ac:spMkLst>
+            <pc:docMk/>
+            <pc:sldMk cId="3637781760" sldId="263"/>
+            <ac:spMk id="14" creationId="{D5FBCAC9-BD8B-4F3B-AD74-EF37D4211349}"/>
+          </ac:spMkLst>
+        </pc:spChg>
+        <pc:spChg chg="add">
+          <ac:chgData name="Kylie" userId="d58a86503aa0c486" providerId="LiveId" clId="{D2842C85-4F98-4844-8C6C-33CFC4C70103}" dt="2020-11-05T08:55:01.713" v="263" actId="26606"/>
+          <ac:spMkLst>
+            <pc:docMk/>
+            <pc:sldMk cId="3637781760" sldId="263"/>
+            <ac:spMk id="16" creationId="{9556C5A8-AD7E-4CE7-87BE-9EA3B5E1786F}"/>
+          </ac:spMkLst>
+        </pc:spChg>
+        <pc:picChg chg="add mod">
+          <ac:chgData name="Kylie" userId="d58a86503aa0c486" providerId="LiveId" clId="{D2842C85-4F98-4844-8C6C-33CFC4C70103}" dt="2020-11-05T08:55:19.605" v="267" actId="14100"/>
+          <ac:picMkLst>
+            <pc:docMk/>
+            <pc:sldMk cId="3637781760" sldId="263"/>
+            <ac:picMk id="5" creationId="{05C8F0E8-F57D-4E39-81B8-DD00E3780A7B}"/>
+          </ac:picMkLst>
+        </pc:picChg>
+        <pc:cxnChg chg="add">
+          <ac:chgData name="Kylie" userId="d58a86503aa0c486" providerId="LiveId" clId="{D2842C85-4F98-4844-8C6C-33CFC4C70103}" dt="2020-11-05T08:55:01.713" v="263" actId="26606"/>
+          <ac:cxnSpMkLst>
+            <pc:docMk/>
+            <pc:sldMk cId="3637781760" sldId="263"/>
+            <ac:cxnSpMk id="12" creationId="{9020DCC9-F851-4562-BB20-1AB3C51BFD08}"/>
+          </ac:cxnSpMkLst>
+        </pc:cxnChg>
+      </pc:sldChg>
+      <pc:sldChg chg="addSp delSp modSp new mod ord setBg modClrScheme delDesignElem chgLayout">
+        <pc:chgData name="Kylie" userId="d58a86503aa0c486" providerId="LiveId" clId="{D2842C85-4F98-4844-8C6C-33CFC4C70103}" dt="2020-11-07T03:33:46.220" v="2251"/>
+        <pc:sldMkLst>
+          <pc:docMk/>
+          <pc:sldMk cId="1447097351" sldId="264"/>
+        </pc:sldMkLst>
+        <pc:spChg chg="del mod ord">
+          <ac:chgData name="Kylie" userId="d58a86503aa0c486" providerId="LiveId" clId="{D2842C85-4F98-4844-8C6C-33CFC4C70103}" dt="2020-11-07T00:57:10.030" v="717" actId="478"/>
+          <ac:spMkLst>
+            <pc:docMk/>
+            <pc:sldMk cId="1447097351" sldId="264"/>
+            <ac:spMk id="2" creationId="{9D9F795F-DDCC-4831-8498-8E3514F66C7F}"/>
+          </ac:spMkLst>
+        </pc:spChg>
+        <pc:spChg chg="del">
+          <ac:chgData name="Kylie" userId="d58a86503aa0c486" providerId="LiveId" clId="{D2842C85-4F98-4844-8C6C-33CFC4C70103}" dt="2020-11-06T05:33:49.446" v="280"/>
+          <ac:spMkLst>
+            <pc:docMk/>
+            <pc:sldMk cId="1447097351" sldId="264"/>
+            <ac:spMk id="3" creationId="{8D656292-BAD5-407E-8B17-D0DB6D03E237}"/>
+          </ac:spMkLst>
+        </pc:spChg>
+        <pc:spChg chg="add">
+          <ac:chgData name="Kylie" userId="d58a86503aa0c486" providerId="LiveId" clId="{D2842C85-4F98-4844-8C6C-33CFC4C70103}" dt="2020-11-07T00:57:16.983" v="720" actId="26606"/>
+          <ac:spMkLst>
+            <pc:docMk/>
+            <pc:sldMk cId="1447097351" sldId="264"/>
+            <ac:spMk id="7" creationId="{5CCC70ED-6C63-4537-B7EB-51990D6C0A6F}"/>
+          </ac:spMkLst>
+        </pc:spChg>
+        <pc:spChg chg="add">
+          <ac:chgData name="Kylie" userId="d58a86503aa0c486" providerId="LiveId" clId="{D2842C85-4F98-4844-8C6C-33CFC4C70103}" dt="2020-11-07T00:57:16.983" v="720" actId="26606"/>
+          <ac:spMkLst>
+            <pc:docMk/>
+            <pc:sldMk cId="1447097351" sldId="264"/>
+            <ac:spMk id="8" creationId="{B76E24C1-2968-40DC-A36E-F6B85F0F0752}"/>
+          </ac:spMkLst>
+        </pc:spChg>
+        <pc:spChg chg="add del">
+          <ac:chgData name="Kylie" userId="d58a86503aa0c486" providerId="LiveId" clId="{D2842C85-4F98-4844-8C6C-33CFC4C70103}" dt="2020-11-07T00:57:01.138" v="714" actId="700"/>
+          <ac:spMkLst>
+            <pc:docMk/>
+            <pc:sldMk cId="1447097351" sldId="264"/>
+            <ac:spMk id="9" creationId="{5F599DCE-8DB9-47A7-BA59-B23E8F77226A}"/>
+          </ac:spMkLst>
+        </pc:spChg>
+        <pc:spChg chg="add">
+          <ac:chgData name="Kylie" userId="d58a86503aa0c486" providerId="LiveId" clId="{D2842C85-4F98-4844-8C6C-33CFC4C70103}" dt="2020-11-07T00:57:16.983" v="720" actId="26606"/>
+          <ac:spMkLst>
+            <pc:docMk/>
+            <pc:sldMk cId="1447097351" sldId="264"/>
+            <ac:spMk id="10" creationId="{41497DE5-0939-4D1D-9350-0C5E1B209C68}"/>
+          </ac:spMkLst>
+        </pc:spChg>
+        <pc:spChg chg="add del">
+          <ac:chgData name="Kylie" userId="d58a86503aa0c486" providerId="LiveId" clId="{D2842C85-4F98-4844-8C6C-33CFC4C70103}" dt="2020-11-07T00:57:01.138" v="714" actId="700"/>
+          <ac:spMkLst>
+            <pc:docMk/>
+            <pc:sldMk cId="1447097351" sldId="264"/>
+            <ac:spMk id="12" creationId="{284B70D5-875B-433D-BDBD-1522A85D6C1D}"/>
+          </ac:spMkLst>
+        </pc:spChg>
+        <pc:spChg chg="add del">
+          <ac:chgData name="Kylie" userId="d58a86503aa0c486" providerId="LiveId" clId="{D2842C85-4F98-4844-8C6C-33CFC4C70103}" dt="2020-11-07T00:57:01.138" v="714" actId="700"/>
+          <ac:spMkLst>
+            <pc:docMk/>
+            <pc:sldMk cId="1447097351" sldId="264"/>
+            <ac:spMk id="16" creationId="{1E299956-A9E7-4FC1-A0B1-D590CA9730E8}"/>
+          </ac:spMkLst>
+        </pc:spChg>
+        <pc:spChg chg="add del">
+          <ac:chgData name="Kylie" userId="d58a86503aa0c486" providerId="LiveId" clId="{D2842C85-4F98-4844-8C6C-33CFC4C70103}" dt="2020-11-07T00:57:01.138" v="714" actId="700"/>
+          <ac:spMkLst>
+            <pc:docMk/>
+            <pc:sldMk cId="1447097351" sldId="264"/>
+            <ac:spMk id="18" creationId="{17FC539C-B783-4B03-9F9E-D13430F3F64F}"/>
+          </ac:spMkLst>
+        </pc:spChg>
+        <pc:picChg chg="add mod">
+          <ac:chgData name="Kylie" userId="d58a86503aa0c486" providerId="LiveId" clId="{D2842C85-4F98-4844-8C6C-33CFC4C70103}" dt="2020-11-07T03:15:58.831" v="2249" actId="1076"/>
+          <ac:picMkLst>
+            <pc:docMk/>
+            <pc:sldMk cId="1447097351" sldId="264"/>
+            <ac:picMk id="2" creationId="{2D428403-21CE-4016-BE50-044A06DB3ABA}"/>
+          </ac:picMkLst>
+        </pc:picChg>
+        <pc:picChg chg="add del mod">
+          <ac:chgData name="Kylie" userId="d58a86503aa0c486" providerId="LiveId" clId="{D2842C85-4F98-4844-8C6C-33CFC4C70103}" dt="2020-11-07T03:15:49.749" v="2244" actId="478"/>
+          <ac:picMkLst>
+            <pc:docMk/>
+            <pc:sldMk cId="1447097351" sldId="264"/>
+            <ac:picMk id="5" creationId="{FA9C4B75-03EA-4204-BA05-E92CF3C8261D}"/>
+          </ac:picMkLst>
+        </pc:picChg>
+        <pc:cxnChg chg="add del">
+          <ac:chgData name="Kylie" userId="d58a86503aa0c486" providerId="LiveId" clId="{D2842C85-4F98-4844-8C6C-33CFC4C70103}" dt="2020-11-07T00:57:01.138" v="714" actId="700"/>
+          <ac:cxnSpMkLst>
+            <pc:docMk/>
+            <pc:sldMk cId="1447097351" sldId="264"/>
+            <ac:cxnSpMk id="14" creationId="{C947DF4A-614C-4B4C-8B80-E5B9D8E8CFED}"/>
+          </ac:cxnSpMkLst>
+        </pc:cxnChg>
+      </pc:sldChg>
+      <pc:sldChg chg="addSp delSp modSp new del mod ord setBg">
+        <pc:chgData name="Kylie" userId="d58a86503aa0c486" providerId="LiveId" clId="{D2842C85-4F98-4844-8C6C-33CFC4C70103}" dt="2020-11-07T01:00:48.994" v="761" actId="47"/>
+        <pc:sldMkLst>
+          <pc:docMk/>
+          <pc:sldMk cId="3853126967" sldId="265"/>
+        </pc:sldMkLst>
+        <pc:spChg chg="add del mod">
+          <ac:chgData name="Kylie" userId="d58a86503aa0c486" providerId="LiveId" clId="{D2842C85-4F98-4844-8C6C-33CFC4C70103}" dt="2020-11-07T00:53:25.137" v="695" actId="26606"/>
+          <ac:spMkLst>
+            <pc:docMk/>
+            <pc:sldMk cId="3853126967" sldId="265"/>
+            <ac:spMk id="2" creationId="{85220C82-2568-414A-ABCD-1E3F7BF0939D}"/>
+          </ac:spMkLst>
+        </pc:spChg>
+        <pc:spChg chg="add del mod ord">
+          <ac:chgData name="Kylie" userId="d58a86503aa0c486" providerId="LiveId" clId="{D2842C85-4F98-4844-8C6C-33CFC4C70103}" dt="2020-11-07T00:53:25.137" v="695" actId="26606"/>
+          <ac:spMkLst>
+            <pc:docMk/>
+            <pc:sldMk cId="3853126967" sldId="265"/>
+            <ac:spMk id="3" creationId="{0E21E49F-7A24-4A0A-880F-C3D9CE4CCE92}"/>
+          </ac:spMkLst>
+        </pc:spChg>
+        <pc:spChg chg="add del">
+          <ac:chgData name="Kylie" userId="d58a86503aa0c486" providerId="LiveId" clId="{D2842C85-4F98-4844-8C6C-33CFC4C70103}" dt="2020-11-07T00:53:16.041" v="692" actId="26606"/>
+          <ac:spMkLst>
+            <pc:docMk/>
+            <pc:sldMk cId="3853126967" sldId="265"/>
+            <ac:spMk id="6" creationId="{C2579DAE-C141-48DB-810E-C070C300819E}"/>
+          </ac:spMkLst>
+        </pc:spChg>
+        <pc:spChg chg="add del">
+          <ac:chgData name="Kylie" userId="d58a86503aa0c486" providerId="LiveId" clId="{D2842C85-4F98-4844-8C6C-33CFC4C70103}" dt="2020-11-07T00:53:16.041" v="692" actId="26606"/>
+          <ac:spMkLst>
+            <pc:docMk/>
+            <pc:sldMk cId="3853126967" sldId="265"/>
+            <ac:spMk id="7" creationId="{02FD90C3-6350-4D5B-9738-6E94EDF30F74}"/>
+          </ac:spMkLst>
+        </pc:spChg>
+        <pc:spChg chg="add del">
+          <ac:chgData name="Kylie" userId="d58a86503aa0c486" providerId="LiveId" clId="{D2842C85-4F98-4844-8C6C-33CFC4C70103}" dt="2020-11-07T00:53:16.041" v="692" actId="26606"/>
+          <ac:spMkLst>
+            <pc:docMk/>
+            <pc:sldMk cId="3853126967" sldId="265"/>
+            <ac:spMk id="8" creationId="{41497DE5-0939-4D1D-9350-0C5E1B209C68}"/>
+          </ac:spMkLst>
+        </pc:spChg>
+        <pc:spChg chg="add del">
+          <ac:chgData name="Kylie" userId="d58a86503aa0c486" providerId="LiveId" clId="{D2842C85-4F98-4844-8C6C-33CFC4C70103}" dt="2020-11-07T00:52:52.273" v="689" actId="26606"/>
+          <ac:spMkLst>
+            <pc:docMk/>
+            <pc:sldMk cId="3853126967" sldId="265"/>
+            <ac:spMk id="9" creationId="{52ABB703-2B0E-4C3B-B4A2-F3973548E561}"/>
+          </ac:spMkLst>
+        </pc:spChg>
+        <pc:spChg chg="add del">
+          <ac:chgData name="Kylie" userId="d58a86503aa0c486" providerId="LiveId" clId="{D2842C85-4F98-4844-8C6C-33CFC4C70103}" dt="2020-11-07T00:53:16.041" v="692" actId="26606"/>
+          <ac:spMkLst>
+            <pc:docMk/>
+            <pc:sldMk cId="3853126967" sldId="265"/>
+            <ac:spMk id="10" creationId="{5CCC70ED-6C63-4537-B7EB-51990D6C0A6F}"/>
+          </ac:spMkLst>
+        </pc:spChg>
+        <pc:spChg chg="add del mod">
+          <ac:chgData name="Kylie" userId="d58a86503aa0c486" providerId="LiveId" clId="{D2842C85-4F98-4844-8C6C-33CFC4C70103}" dt="2020-11-07T00:54:35.581" v="703" actId="478"/>
+          <ac:spMkLst>
+            <pc:docMk/>
+            <pc:sldMk cId="3853126967" sldId="265"/>
+            <ac:spMk id="12" creationId="{0E08DE50-37FF-488A-BC00-BCF281646DBF}"/>
+          </ac:spMkLst>
+        </pc:spChg>
+        <pc:spChg chg="add del">
+          <ac:chgData name="Kylie" userId="d58a86503aa0c486" providerId="LiveId" clId="{D2842C85-4F98-4844-8C6C-33CFC4C70103}" dt="2020-11-07T00:52:52.273" v="689" actId="26606"/>
+          <ac:spMkLst>
+            <pc:docMk/>
+            <pc:sldMk cId="3853126967" sldId="265"/>
+            <ac:spMk id="13" creationId="{E95DA498-D9A2-4DA9-B9DA-B3776E08CF7E}"/>
+          </ac:spMkLst>
+        </pc:spChg>
+        <pc:spChg chg="add del">
+          <ac:chgData name="Kylie" userId="d58a86503aa0c486" providerId="LiveId" clId="{D2842C85-4F98-4844-8C6C-33CFC4C70103}" dt="2020-11-07T00:52:52.273" v="689" actId="26606"/>
+          <ac:spMkLst>
+            <pc:docMk/>
+            <pc:sldMk cId="3853126967" sldId="265"/>
+            <ac:spMk id="15" creationId="{82A73093-4B9D-420D-B17E-52293703A1D4}"/>
+          </ac:spMkLst>
+        </pc:spChg>
+        <pc:spChg chg="add del">
+          <ac:chgData name="Kylie" userId="d58a86503aa0c486" providerId="LiveId" clId="{D2842C85-4F98-4844-8C6C-33CFC4C70103}" dt="2020-11-07T00:53:16.041" v="692" actId="26606"/>
+          <ac:spMkLst>
+            <pc:docMk/>
+            <pc:sldMk cId="3853126967" sldId="265"/>
+            <ac:spMk id="17" creationId="{B76E24C1-2968-40DC-A36E-F6B85F0F0752}"/>
+          </ac:spMkLst>
+        </pc:spChg>
+        <pc:spChg chg="add del">
+          <ac:chgData name="Kylie" userId="d58a86503aa0c486" providerId="LiveId" clId="{D2842C85-4F98-4844-8C6C-33CFC4C70103}" dt="2020-11-07T00:53:25.128" v="694" actId="26606"/>
+          <ac:spMkLst>
+            <pc:docMk/>
+            <pc:sldMk cId="3853126967" sldId="265"/>
+            <ac:spMk id="19" creationId="{C2579DAE-C141-48DB-810E-C070C300819E}"/>
+          </ac:spMkLst>
+        </pc:spChg>
+        <pc:spChg chg="add del">
+          <ac:chgData name="Kylie" userId="d58a86503aa0c486" providerId="LiveId" clId="{D2842C85-4F98-4844-8C6C-33CFC4C70103}" dt="2020-11-07T00:53:25.128" v="694" actId="26606"/>
+          <ac:spMkLst>
+            <pc:docMk/>
+            <pc:sldMk cId="3853126967" sldId="265"/>
+            <ac:spMk id="20" creationId="{02FD90C3-6350-4D5B-9738-6E94EDF30F74}"/>
+          </ac:spMkLst>
+        </pc:spChg>
+        <pc:spChg chg="add del">
+          <ac:chgData name="Kylie" userId="d58a86503aa0c486" providerId="LiveId" clId="{D2842C85-4F98-4844-8C6C-33CFC4C70103}" dt="2020-11-07T00:58:59.602" v="736" actId="26606"/>
+          <ac:spMkLst>
+            <pc:docMk/>
+            <pc:sldMk cId="3853126967" sldId="265"/>
+            <ac:spMk id="22" creationId="{C2579DAE-C141-48DB-810E-C070C300819E}"/>
+          </ac:spMkLst>
+        </pc:spChg>
+        <pc:spChg chg="add del">
+          <ac:chgData name="Kylie" userId="d58a86503aa0c486" providerId="LiveId" clId="{D2842C85-4F98-4844-8C6C-33CFC4C70103}" dt="2020-11-07T00:58:59.602" v="736" actId="26606"/>
+          <ac:spMkLst>
+            <pc:docMk/>
+            <pc:sldMk cId="3853126967" sldId="265"/>
+            <ac:spMk id="23" creationId="{02FD90C3-6350-4D5B-9738-6E94EDF30F74}"/>
+          </ac:spMkLst>
+        </pc:spChg>
+        <pc:spChg chg="add del">
+          <ac:chgData name="Kylie" userId="d58a86503aa0c486" providerId="LiveId" clId="{D2842C85-4F98-4844-8C6C-33CFC4C70103}" dt="2020-11-07T00:58:59.602" v="736" actId="26606"/>
+          <ac:spMkLst>
+            <pc:docMk/>
+            <pc:sldMk cId="3853126967" sldId="265"/>
+            <ac:spMk id="24" creationId="{41497DE5-0939-4D1D-9350-0C5E1B209C68}"/>
+          </ac:spMkLst>
+        </pc:spChg>
+        <pc:spChg chg="add del">
+          <ac:chgData name="Kylie" userId="d58a86503aa0c486" providerId="LiveId" clId="{D2842C85-4F98-4844-8C6C-33CFC4C70103}" dt="2020-11-07T00:58:59.602" v="736" actId="26606"/>
+          <ac:spMkLst>
+            <pc:docMk/>
+            <pc:sldMk cId="3853126967" sldId="265"/>
+            <ac:spMk id="25" creationId="{5CCC70ED-6C63-4537-B7EB-51990D6C0A6F}"/>
+          </ac:spMkLst>
+        </pc:spChg>
+        <pc:spChg chg="add del">
+          <ac:chgData name="Kylie" userId="d58a86503aa0c486" providerId="LiveId" clId="{D2842C85-4F98-4844-8C6C-33CFC4C70103}" dt="2020-11-07T00:58:59.602" v="736" actId="26606"/>
+          <ac:spMkLst>
+            <pc:docMk/>
+            <pc:sldMk cId="3853126967" sldId="265"/>
+            <ac:spMk id="26" creationId="{B76E24C1-2968-40DC-A36E-F6B85F0F0752}"/>
+          </ac:spMkLst>
+        </pc:spChg>
+        <pc:spChg chg="add del">
+          <ac:chgData name="Kylie" userId="d58a86503aa0c486" providerId="LiveId" clId="{D2842C85-4F98-4844-8C6C-33CFC4C70103}" dt="2020-11-07T00:59:55.454" v="750" actId="26606"/>
+          <ac:spMkLst>
+            <pc:docMk/>
+            <pc:sldMk cId="3853126967" sldId="265"/>
+            <ac:spMk id="31" creationId="{6E14809C-AB06-455C-9E09-733EC00DDEBC}"/>
+          </ac:spMkLst>
+        </pc:spChg>
+        <pc:spChg chg="add del">
+          <ac:chgData name="Kylie" userId="d58a86503aa0c486" providerId="LiveId" clId="{D2842C85-4F98-4844-8C6C-33CFC4C70103}" dt="2020-11-07T00:59:55.454" v="750" actId="26606"/>
+          <ac:spMkLst>
+            <pc:docMk/>
+            <pc:sldMk cId="3853126967" sldId="265"/>
+            <ac:spMk id="33" creationId="{F9612D73-1056-4289-A977-92C9190C7AEF}"/>
+          </ac:spMkLst>
+        </pc:spChg>
+        <pc:spChg chg="add del">
+          <ac:chgData name="Kylie" userId="d58a86503aa0c486" providerId="LiveId" clId="{D2842C85-4F98-4844-8C6C-33CFC4C70103}" dt="2020-11-07T00:59:55.454" v="750" actId="26606"/>
+          <ac:spMkLst>
+            <pc:docMk/>
+            <pc:sldMk cId="3853126967" sldId="265"/>
+            <ac:spMk id="35" creationId="{44C5A9E5-0F35-4AA6-AF26-B90A2D47BC43}"/>
+          </ac:spMkLst>
+        </pc:spChg>
+        <pc:spChg chg="add del">
+          <ac:chgData name="Kylie" userId="d58a86503aa0c486" providerId="LiveId" clId="{D2842C85-4F98-4844-8C6C-33CFC4C70103}" dt="2020-11-07T00:59:55.454" v="750" actId="26606"/>
+          <ac:spMkLst>
+            <pc:docMk/>
+            <pc:sldMk cId="3853126967" sldId="265"/>
+            <ac:spMk id="37" creationId="{4D9DB69D-7E48-4FDF-806E-F0B4BF0053DD}"/>
+          </ac:spMkLst>
+        </pc:spChg>
+        <pc:spChg chg="add del">
+          <ac:chgData name="Kylie" userId="d58a86503aa0c486" providerId="LiveId" clId="{D2842C85-4F98-4844-8C6C-33CFC4C70103}" dt="2020-11-07T00:59:55.454" v="750" actId="26606"/>
+          <ac:spMkLst>
+            <pc:docMk/>
+            <pc:sldMk cId="3853126967" sldId="265"/>
+            <ac:spMk id="39" creationId="{846BF69C-4724-4F8D-8EA6-1487E9C9C4FD}"/>
+          </ac:spMkLst>
+        </pc:spChg>
+        <pc:spChg chg="add">
+          <ac:chgData name="Kylie" userId="d58a86503aa0c486" providerId="LiveId" clId="{D2842C85-4F98-4844-8C6C-33CFC4C70103}" dt="2020-11-07T00:59:55.454" v="750" actId="26606"/>
+          <ac:spMkLst>
+            <pc:docMk/>
+            <pc:sldMk cId="3853126967" sldId="265"/>
+            <ac:spMk id="44" creationId="{C2579DAE-C141-48DB-810E-C070C300819E}"/>
+          </ac:spMkLst>
+        </pc:spChg>
+        <pc:spChg chg="add">
+          <ac:chgData name="Kylie" userId="d58a86503aa0c486" providerId="LiveId" clId="{D2842C85-4F98-4844-8C6C-33CFC4C70103}" dt="2020-11-07T00:59:55.454" v="750" actId="26606"/>
+          <ac:spMkLst>
+            <pc:docMk/>
+            <pc:sldMk cId="3853126967" sldId="265"/>
+            <ac:spMk id="46" creationId="{02FD90C3-6350-4D5B-9738-6E94EDF30F74}"/>
+          </ac:spMkLst>
+        </pc:spChg>
+        <pc:spChg chg="add">
+          <ac:chgData name="Kylie" userId="d58a86503aa0c486" providerId="LiveId" clId="{D2842C85-4F98-4844-8C6C-33CFC4C70103}" dt="2020-11-07T00:59:55.454" v="750" actId="26606"/>
+          <ac:spMkLst>
+            <pc:docMk/>
+            <pc:sldMk cId="3853126967" sldId="265"/>
+            <ac:spMk id="48" creationId="{41497DE5-0939-4D1D-9350-0C5E1B209C68}"/>
+          </ac:spMkLst>
+        </pc:spChg>
+        <pc:spChg chg="add">
+          <ac:chgData name="Kylie" userId="d58a86503aa0c486" providerId="LiveId" clId="{D2842C85-4F98-4844-8C6C-33CFC4C70103}" dt="2020-11-07T00:59:55.454" v="750" actId="26606"/>
+          <ac:spMkLst>
+            <pc:docMk/>
+            <pc:sldMk cId="3853126967" sldId="265"/>
+            <ac:spMk id="50" creationId="{5CCC70ED-6C63-4537-B7EB-51990D6C0A6F}"/>
+          </ac:spMkLst>
+        </pc:spChg>
+        <pc:spChg chg="add">
+          <ac:chgData name="Kylie" userId="d58a86503aa0c486" providerId="LiveId" clId="{D2842C85-4F98-4844-8C6C-33CFC4C70103}" dt="2020-11-07T00:59:55.454" v="750" actId="26606"/>
+          <ac:spMkLst>
+            <pc:docMk/>
+            <pc:sldMk cId="3853126967" sldId="265"/>
+            <ac:spMk id="52" creationId="{B76E24C1-2968-40DC-A36E-F6B85F0F0752}"/>
+          </ac:spMkLst>
+        </pc:spChg>
+        <pc:picChg chg="add del mod">
+          <ac:chgData name="Kylie" userId="d58a86503aa0c486" providerId="LiveId" clId="{D2842C85-4F98-4844-8C6C-33CFC4C70103}" dt="2020-11-07T00:53:33.262" v="696" actId="478"/>
+          <ac:picMkLst>
+            <pc:docMk/>
+            <pc:sldMk cId="3853126967" sldId="265"/>
+            <ac:picMk id="4" creationId="{78BC6FF4-9842-43BA-BEBC-8CE6579D2143}"/>
+          </ac:picMkLst>
+        </pc:picChg>
+        <pc:picChg chg="add del mod">
+          <ac:chgData name="Kylie" userId="d58a86503aa0c486" providerId="LiveId" clId="{D2842C85-4F98-4844-8C6C-33CFC4C70103}" dt="2020-11-07T00:58:26.890" v="727" actId="478"/>
+          <ac:picMkLst>
+            <pc:docMk/>
+            <pc:sldMk cId="3853126967" sldId="265"/>
+            <ac:picMk id="14" creationId="{2D548E40-D463-4C9B-B420-34C6FB7EF980}"/>
+          </ac:picMkLst>
+        </pc:picChg>
+        <pc:picChg chg="add mod ord">
+          <ac:chgData name="Kylie" userId="d58a86503aa0c486" providerId="LiveId" clId="{D2842C85-4F98-4844-8C6C-33CFC4C70103}" dt="2020-11-07T01:00:02.551" v="752" actId="1076"/>
+          <ac:picMkLst>
+            <pc:docMk/>
+            <pc:sldMk cId="3853126967" sldId="265"/>
+            <ac:picMk id="16" creationId="{5EB2ED19-3BAB-4769-82EE-60773AC3C9AE}"/>
+          </ac:picMkLst>
+        </pc:picChg>
+        <pc:picChg chg="add del mod">
+          <ac:chgData name="Kylie" userId="d58a86503aa0c486" providerId="LiveId" clId="{D2842C85-4F98-4844-8C6C-33CFC4C70103}" dt="2020-11-07T00:59:53.319" v="748" actId="478"/>
+          <ac:picMkLst>
+            <pc:docMk/>
+            <pc:sldMk cId="3853126967" sldId="265"/>
+            <ac:picMk id="18" creationId="{71D292BF-DD3B-4488-A6E8-C376BA58C1F3}"/>
+          </ac:picMkLst>
+        </pc:picChg>
+        <pc:picChg chg="add del mod">
+          <ac:chgData name="Kylie" userId="d58a86503aa0c486" providerId="LiveId" clId="{D2842C85-4F98-4844-8C6C-33CFC4C70103}" dt="2020-11-07T00:59:53.895" v="749" actId="478"/>
+          <ac:picMkLst>
+            <pc:docMk/>
+            <pc:sldMk cId="3853126967" sldId="265"/>
+            <ac:picMk id="21" creationId="{8FDFABEB-E83A-42F0-AC28-C7DA8D3D0684}"/>
+          </ac:picMkLst>
+        </pc:picChg>
+        <pc:cxnChg chg="add del">
+          <ac:chgData name="Kylie" userId="d58a86503aa0c486" providerId="LiveId" clId="{D2842C85-4F98-4844-8C6C-33CFC4C70103}" dt="2020-11-07T00:52:52.273" v="689" actId="26606"/>
+          <ac:cxnSpMkLst>
+            <pc:docMk/>
+            <pc:sldMk cId="3853126967" sldId="265"/>
+            <ac:cxnSpMk id="11" creationId="{9C21570E-E159-49A6-9891-FA397B7A92D3}"/>
+          </ac:cxnSpMkLst>
+        </pc:cxnChg>
+      </pc:sldChg>
+      <pc:sldChg chg="add del">
+        <pc:chgData name="Kylie" userId="d58a86503aa0c486" providerId="LiveId" clId="{D2842C85-4F98-4844-8C6C-33CFC4C70103}" dt="2020-11-07T01:58:49.867" v="824" actId="2696"/>
+        <pc:sldMkLst>
+          <pc:docMk/>
+          <pc:sldMk cId="2400770556" sldId="266"/>
+        </pc:sldMkLst>
+      </pc:sldChg>
+      <pc:sldChg chg="addSp delSp modSp new mod setBg modClrScheme delDesignElem chgLayout">
+        <pc:chgData name="Kylie" userId="d58a86503aa0c486" providerId="LiveId" clId="{D2842C85-4F98-4844-8C6C-33CFC4C70103}" dt="2020-11-07T02:26:58.178" v="997" actId="20577"/>
+        <pc:sldMkLst>
+          <pc:docMk/>
+          <pc:sldMk cId="3797962433" sldId="267"/>
+        </pc:sldMkLst>
+        <pc:spChg chg="del">
+          <ac:chgData name="Kylie" userId="d58a86503aa0c486" providerId="LiveId" clId="{D2842C85-4F98-4844-8C6C-33CFC4C70103}" dt="2020-11-07T01:10:18.057" v="766" actId="26606"/>
+          <ac:spMkLst>
+            <pc:docMk/>
+            <pc:sldMk cId="3797962433" sldId="267"/>
+            <ac:spMk id="2" creationId="{4C2473EA-08CF-4AB4-AA15-B4E50A7E703D}"/>
+          </ac:spMkLst>
+        </pc:spChg>
+        <pc:spChg chg="del">
+          <ac:chgData name="Kylie" userId="d58a86503aa0c486" providerId="LiveId" clId="{D2842C85-4F98-4844-8C6C-33CFC4C70103}" dt="2020-11-07T01:10:18.057" v="766" actId="26606"/>
+          <ac:spMkLst>
+            <pc:docMk/>
+            <pc:sldMk cId="3797962433" sldId="267"/>
+            <ac:spMk id="3" creationId="{08EAFA86-EDC9-4CC6-8BD0-86FB3A915CAA}"/>
+          </ac:spMkLst>
+        </pc:spChg>
+        <pc:spChg chg="add del mod">
+          <ac:chgData name="Kylie" userId="d58a86503aa0c486" providerId="LiveId" clId="{D2842C85-4F98-4844-8C6C-33CFC4C70103}" dt="2020-11-07T01:47:55.591" v="808" actId="478"/>
+          <ac:spMkLst>
+            <pc:docMk/>
+            <pc:sldMk cId="3797962433" sldId="267"/>
+            <ac:spMk id="8" creationId="{90CBA128-FF80-41D5-AA81-9A36A7C1E983}"/>
+          </ac:spMkLst>
+        </pc:spChg>
+        <pc:spChg chg="add del">
+          <ac:chgData name="Kylie" userId="d58a86503aa0c486" providerId="LiveId" clId="{D2842C85-4F98-4844-8C6C-33CFC4C70103}" dt="2020-11-07T01:11:16.438" v="780" actId="26606"/>
+          <ac:spMkLst>
+            <pc:docMk/>
+            <pc:sldMk cId="3797962433" sldId="267"/>
+            <ac:spMk id="10" creationId="{C2579DAE-C141-48DB-810E-C070C300819E}"/>
+          </ac:spMkLst>
+        </pc:spChg>
+        <pc:spChg chg="add del">
+          <ac:chgData name="Kylie" userId="d58a86503aa0c486" providerId="LiveId" clId="{D2842C85-4F98-4844-8C6C-33CFC4C70103}" dt="2020-11-07T01:11:16.438" v="780" actId="26606"/>
+          <ac:spMkLst>
+            <pc:docMk/>
+            <pc:sldMk cId="3797962433" sldId="267"/>
+            <ac:spMk id="12" creationId="{02FD90C3-6350-4D5B-9738-6E94EDF30F74}"/>
+          </ac:spMkLst>
+        </pc:spChg>
+        <pc:spChg chg="add mod ord">
+          <ac:chgData name="Kylie" userId="d58a86503aa0c486" providerId="LiveId" clId="{D2842C85-4F98-4844-8C6C-33CFC4C70103}" dt="2020-11-07T02:26:58.178" v="997" actId="20577"/>
+          <ac:spMkLst>
+            <pc:docMk/>
+            <pc:sldMk cId="3797962433" sldId="267"/>
+            <ac:spMk id="13" creationId="{8DE09786-3A64-427D-816A-B17CA7C4C66F}"/>
+          </ac:spMkLst>
+        </pc:spChg>
+        <pc:spChg chg="add del">
+          <ac:chgData name="Kylie" userId="d58a86503aa0c486" providerId="LiveId" clId="{D2842C85-4F98-4844-8C6C-33CFC4C70103}" dt="2020-11-07T01:11:16.438" v="780" actId="26606"/>
+          <ac:spMkLst>
+            <pc:docMk/>
+            <pc:sldMk cId="3797962433" sldId="267"/>
+            <ac:spMk id="14" creationId="{41497DE5-0939-4D1D-9350-0C5E1B209C68}"/>
+          </ac:spMkLst>
+        </pc:spChg>
+        <pc:spChg chg="add del">
+          <ac:chgData name="Kylie" userId="d58a86503aa0c486" providerId="LiveId" clId="{D2842C85-4F98-4844-8C6C-33CFC4C70103}" dt="2020-11-07T01:11:16.438" v="780" actId="26606"/>
+          <ac:spMkLst>
+            <pc:docMk/>
+            <pc:sldMk cId="3797962433" sldId="267"/>
+            <ac:spMk id="16" creationId="{5CCC70ED-6C63-4537-B7EB-51990D6C0A6F}"/>
+          </ac:spMkLst>
+        </pc:spChg>
+        <pc:spChg chg="add del">
+          <ac:chgData name="Kylie" userId="d58a86503aa0c486" providerId="LiveId" clId="{D2842C85-4F98-4844-8C6C-33CFC4C70103}" dt="2020-11-07T01:11:16.438" v="780" actId="26606"/>
+          <ac:spMkLst>
+            <pc:docMk/>
+            <pc:sldMk cId="3797962433" sldId="267"/>
+            <ac:spMk id="18" creationId="{B76E24C1-2968-40DC-A36E-F6B85F0F0752}"/>
+          </ac:spMkLst>
+        </pc:spChg>
+        <pc:spChg chg="add del">
+          <ac:chgData name="Kylie" userId="d58a86503aa0c486" providerId="LiveId" clId="{D2842C85-4F98-4844-8C6C-33CFC4C70103}" dt="2020-11-07T02:25:57.222" v="930" actId="700"/>
+          <ac:spMkLst>
+            <pc:docMk/>
+            <pc:sldMk cId="3797962433" sldId="267"/>
+            <ac:spMk id="23" creationId="{6E14809C-AB06-455C-9E09-733EC00DDEBC}"/>
+          </ac:spMkLst>
+        </pc:spChg>
+        <pc:spChg chg="add del">
+          <ac:chgData name="Kylie" userId="d58a86503aa0c486" providerId="LiveId" clId="{D2842C85-4F98-4844-8C6C-33CFC4C70103}" dt="2020-11-07T02:25:57.222" v="930" actId="700"/>
+          <ac:spMkLst>
+            <pc:docMk/>
+            <pc:sldMk cId="3797962433" sldId="267"/>
+            <ac:spMk id="25" creationId="{F9612D73-1056-4289-A977-92C9190C7AEF}"/>
+          </ac:spMkLst>
+        </pc:spChg>
+        <pc:spChg chg="add del">
+          <ac:chgData name="Kylie" userId="d58a86503aa0c486" providerId="LiveId" clId="{D2842C85-4F98-4844-8C6C-33CFC4C70103}" dt="2020-11-07T02:25:57.222" v="930" actId="700"/>
+          <ac:spMkLst>
+            <pc:docMk/>
+            <pc:sldMk cId="3797962433" sldId="267"/>
+            <ac:spMk id="27" creationId="{44C5A9E5-0F35-4AA6-AF26-B90A2D47BC43}"/>
+          </ac:spMkLst>
+        </pc:spChg>
+        <pc:spChg chg="add del">
+          <ac:chgData name="Kylie" userId="d58a86503aa0c486" providerId="LiveId" clId="{D2842C85-4F98-4844-8C6C-33CFC4C70103}" dt="2020-11-07T02:25:57.222" v="930" actId="700"/>
+          <ac:spMkLst>
+            <pc:docMk/>
+            <pc:sldMk cId="3797962433" sldId="267"/>
+            <ac:spMk id="29" creationId="{4D9DB69D-7E48-4FDF-806E-F0B4BF0053DD}"/>
+          </ac:spMkLst>
+        </pc:spChg>
+        <pc:spChg chg="add del">
+          <ac:chgData name="Kylie" userId="d58a86503aa0c486" providerId="LiveId" clId="{D2842C85-4F98-4844-8C6C-33CFC4C70103}" dt="2020-11-07T02:25:57.222" v="930" actId="700"/>
+          <ac:spMkLst>
+            <pc:docMk/>
+            <pc:sldMk cId="3797962433" sldId="267"/>
+            <ac:spMk id="31" creationId="{846BF69C-4724-4F8D-8EA6-1487E9C9C4FD}"/>
+          </ac:spMkLst>
+        </pc:spChg>
+        <pc:picChg chg="add del mod">
+          <ac:chgData name="Kylie" userId="d58a86503aa0c486" providerId="LiveId" clId="{D2842C85-4F98-4844-8C6C-33CFC4C70103}" dt="2020-11-07T01:44:24.449" v="806" actId="478"/>
+          <ac:picMkLst>
+            <pc:docMk/>
+            <pc:sldMk cId="3797962433" sldId="267"/>
+            <ac:picMk id="5" creationId="{2CFBBB3F-ABE2-4045-9502-ADB478C3EE60}"/>
+          </ac:picMkLst>
+        </pc:picChg>
+        <pc:picChg chg="add mod">
+          <ac:chgData name="Kylie" userId="d58a86503aa0c486" providerId="LiveId" clId="{D2842C85-4F98-4844-8C6C-33CFC4C70103}" dt="2020-11-07T02:26:00.267" v="931" actId="1076"/>
+          <ac:picMkLst>
+            <pc:docMk/>
+            <pc:sldMk cId="3797962433" sldId="267"/>
+            <ac:picMk id="6" creationId="{7DECCE1B-792F-4670-98B3-64CF46E50160}"/>
+          </ac:picMkLst>
+        </pc:picChg>
+        <pc:picChg chg="add mod">
+          <ac:chgData name="Kylie" userId="d58a86503aa0c486" providerId="LiveId" clId="{D2842C85-4F98-4844-8C6C-33CFC4C70103}" dt="2020-11-07T02:26:02.687" v="932" actId="1076"/>
+          <ac:picMkLst>
+            <pc:docMk/>
+            <pc:sldMk cId="3797962433" sldId="267"/>
+            <ac:picMk id="9" creationId="{76EDE77B-D6EB-44F5-A725-238C63561E50}"/>
+          </ac:picMkLst>
+        </pc:picChg>
+      </pc:sldChg>
+      <pc:sldChg chg="addSp delSp modSp new mod modClrScheme chgLayout">
+        <pc:chgData name="Kylie" userId="d58a86503aa0c486" providerId="LiveId" clId="{D2842C85-4F98-4844-8C6C-33CFC4C70103}" dt="2020-11-07T05:11:27.908" v="2517" actId="14100"/>
+        <pc:sldMkLst>
+          <pc:docMk/>
+          <pc:sldMk cId="1699766520" sldId="268"/>
+        </pc:sldMkLst>
+        <pc:spChg chg="del">
+          <ac:chgData name="Kylie" userId="d58a86503aa0c486" providerId="LiveId" clId="{D2842C85-4F98-4844-8C6C-33CFC4C70103}" dt="2020-11-07T02:28:39.116" v="1006" actId="700"/>
+          <ac:spMkLst>
+            <pc:docMk/>
+            <pc:sldMk cId="1699766520" sldId="268"/>
+            <ac:spMk id="2" creationId="{828DCF41-DEB9-4820-B228-533C841CD886}"/>
+          </ac:spMkLst>
+        </pc:spChg>
+        <pc:picChg chg="add del">
+          <ac:chgData name="Kylie" userId="d58a86503aa0c486" providerId="LiveId" clId="{D2842C85-4F98-4844-8C6C-33CFC4C70103}" dt="2020-11-07T05:10:59.415" v="2508" actId="478"/>
+          <ac:picMkLst>
+            <pc:docMk/>
+            <pc:sldMk cId="1699766520" sldId="268"/>
+            <ac:picMk id="2" creationId="{DD202068-5DEE-4C3A-B136-119AAF753864}"/>
+          </ac:picMkLst>
+        </pc:picChg>
+        <pc:picChg chg="add mod">
+          <ac:chgData name="Kylie" userId="d58a86503aa0c486" providerId="LiveId" clId="{D2842C85-4F98-4844-8C6C-33CFC4C70103}" dt="2020-11-07T05:11:20.935" v="2515" actId="1076"/>
+          <ac:picMkLst>
+            <pc:docMk/>
+            <pc:sldMk cId="1699766520" sldId="268"/>
+            <ac:picMk id="3" creationId="{B2BCD471-5EE4-40B1-A673-68515DA4E709}"/>
+          </ac:picMkLst>
+        </pc:picChg>
+        <pc:picChg chg="add mod">
+          <ac:chgData name="Kylie" userId="d58a86503aa0c486" providerId="LiveId" clId="{D2842C85-4F98-4844-8C6C-33CFC4C70103}" dt="2020-11-07T02:28:43.209" v="1008" actId="1076"/>
+          <ac:picMkLst>
+            <pc:docMk/>
+            <pc:sldMk cId="1699766520" sldId="268"/>
+            <ac:picMk id="4" creationId="{93AD3B15-B88F-45CD-ADD6-AE2AF604B6D9}"/>
+          </ac:picMkLst>
+        </pc:picChg>
+        <pc:picChg chg="add del mod">
+          <ac:chgData name="Kylie" userId="d58a86503aa0c486" providerId="LiveId" clId="{D2842C85-4F98-4844-8C6C-33CFC4C70103}" dt="2020-11-07T05:10:54.390" v="2504" actId="478"/>
+          <ac:picMkLst>
+            <pc:docMk/>
+            <pc:sldMk cId="1699766520" sldId="268"/>
+            <ac:picMk id="6" creationId="{2BFD4636-1B41-497A-A8D1-44556214B6E9}"/>
+          </ac:picMkLst>
+        </pc:picChg>
+        <pc:picChg chg="add del mod">
+          <ac:chgData name="Kylie" userId="d58a86503aa0c486" providerId="LiveId" clId="{D2842C85-4F98-4844-8C6C-33CFC4C70103}" dt="2020-11-07T05:11:16.492" v="2514" actId="478"/>
+          <ac:picMkLst>
+            <pc:docMk/>
+            <pc:sldMk cId="1699766520" sldId="268"/>
+            <ac:picMk id="8" creationId="{51A4983D-DC68-4D1B-AABC-9B0B4939F2A9}"/>
+          </ac:picMkLst>
+        </pc:picChg>
+        <pc:picChg chg="add mod">
+          <ac:chgData name="Kylie" userId="d58a86503aa0c486" providerId="LiveId" clId="{D2842C85-4F98-4844-8C6C-33CFC4C70103}" dt="2020-11-07T05:11:27.908" v="2517" actId="14100"/>
+          <ac:picMkLst>
+            <pc:docMk/>
+            <pc:sldMk cId="1699766520" sldId="268"/>
+            <ac:picMk id="9" creationId="{FB58F832-FFB6-4E03-874B-5CA2E317E6D4}"/>
+          </ac:picMkLst>
+        </pc:picChg>
+      </pc:sldChg>
+      <pc:sldChg chg="addSp delSp modSp new mod setBg">
+        <pc:chgData name="Kylie" userId="d58a86503aa0c486" providerId="LiveId" clId="{D2842C85-4F98-4844-8C6C-33CFC4C70103}" dt="2020-11-07T04:56:24.279" v="2457" actId="14100"/>
+        <pc:sldMkLst>
+          <pc:docMk/>
+          <pc:sldMk cId="2116139608" sldId="269"/>
+        </pc:sldMkLst>
+        <pc:spChg chg="mod">
+          <ac:chgData name="Kylie" userId="d58a86503aa0c486" providerId="LiveId" clId="{D2842C85-4F98-4844-8C6C-33CFC4C70103}" dt="2020-11-07T02:54:39.160" v="2208" actId="14100"/>
+          <ac:spMkLst>
+            <pc:docMk/>
+            <pc:sldMk cId="2116139608" sldId="269"/>
+            <ac:spMk id="2" creationId="{FD38A2F2-8F00-4CC0-9170-5F50E0EE5CB5}"/>
+          </ac:spMkLst>
+        </pc:spChg>
+        <pc:spChg chg="del mod ord">
+          <ac:chgData name="Kylie" userId="d58a86503aa0c486" providerId="LiveId" clId="{D2842C85-4F98-4844-8C6C-33CFC4C70103}" dt="2020-11-07T02:54:28.915" v="2182" actId="478"/>
+          <ac:spMkLst>
+            <pc:docMk/>
+            <pc:sldMk cId="2116139608" sldId="269"/>
+            <ac:spMk id="3" creationId="{17AD1118-B4BC-49C3-A2DC-95F69E485ED8}"/>
+          </ac:spMkLst>
+        </pc:spChg>
+        <pc:spChg chg="add">
+          <ac:chgData name="Kylie" userId="d58a86503aa0c486" providerId="LiveId" clId="{D2842C85-4F98-4844-8C6C-33CFC4C70103}" dt="2020-11-07T02:53:47.263" v="2157" actId="26606"/>
+          <ac:spMkLst>
+            <pc:docMk/>
+            <pc:sldMk cId="2116139608" sldId="269"/>
+            <ac:spMk id="9" creationId="{284B70D5-875B-433D-BDBD-1522A85D6C1D}"/>
+          </ac:spMkLst>
+        </pc:spChg>
+        <pc:spChg chg="add">
+          <ac:chgData name="Kylie" userId="d58a86503aa0c486" providerId="LiveId" clId="{D2842C85-4F98-4844-8C6C-33CFC4C70103}" dt="2020-11-07T02:53:47.263" v="2157" actId="26606"/>
+          <ac:spMkLst>
+            <pc:docMk/>
+            <pc:sldMk cId="2116139608" sldId="269"/>
+            <ac:spMk id="13" creationId="{1E299956-A9E7-4FC1-A0B1-D590CA9730E8}"/>
+          </ac:spMkLst>
+        </pc:spChg>
+        <pc:spChg chg="add">
+          <ac:chgData name="Kylie" userId="d58a86503aa0c486" providerId="LiveId" clId="{D2842C85-4F98-4844-8C6C-33CFC4C70103}" dt="2020-11-07T02:53:47.263" v="2157" actId="26606"/>
+          <ac:spMkLst>
+            <pc:docMk/>
+            <pc:sldMk cId="2116139608" sldId="269"/>
+            <ac:spMk id="15" creationId="{17FC539C-B783-4B03-9F9E-D13430F3F64F}"/>
+          </ac:spMkLst>
+        </pc:spChg>
+        <pc:picChg chg="add mod">
+          <ac:chgData name="Kylie" userId="d58a86503aa0c486" providerId="LiveId" clId="{D2842C85-4F98-4844-8C6C-33CFC4C70103}" dt="2020-11-07T04:56:24.279" v="2457" actId="14100"/>
+          <ac:picMkLst>
+            <pc:docMk/>
+            <pc:sldMk cId="2116139608" sldId="269"/>
+            <ac:picMk id="3" creationId="{5CB560AF-69E6-4E14-92C4-6B6C50027BF0}"/>
+          </ac:picMkLst>
+        </pc:picChg>
+        <pc:picChg chg="add mod">
+          <ac:chgData name="Kylie" userId="d58a86503aa0c486" providerId="LiveId" clId="{D2842C85-4F98-4844-8C6C-33CFC4C70103}" dt="2020-11-07T02:54:56.002" v="2214" actId="1076"/>
+          <ac:picMkLst>
+            <pc:docMk/>
+            <pc:sldMk cId="2116139608" sldId="269"/>
+            <ac:picMk id="4" creationId="{988CB66E-43AE-4EB5-987C-5CC936B13ACA}"/>
+          </ac:picMkLst>
+        </pc:picChg>
+        <pc:picChg chg="add del mod">
+          <ac:chgData name="Kylie" userId="d58a86503aa0c486" providerId="LiveId" clId="{D2842C85-4F98-4844-8C6C-33CFC4C70103}" dt="2020-11-07T04:44:37.552" v="2452" actId="478"/>
+          <ac:picMkLst>
+            <pc:docMk/>
+            <pc:sldMk cId="2116139608" sldId="269"/>
+            <ac:picMk id="5" creationId="{6367D70F-7546-4F37-ADFC-C0E72FF40E3F}"/>
+          </ac:picMkLst>
+        </pc:picChg>
+        <pc:picChg chg="add del mod">
+          <ac:chgData name="Kylie" userId="d58a86503aa0c486" providerId="LiveId" clId="{D2842C85-4F98-4844-8C6C-33CFC4C70103}" dt="2020-11-07T04:44:07.693" v="2442" actId="478"/>
+          <ac:picMkLst>
+            <pc:docMk/>
+            <pc:sldMk cId="2116139608" sldId="269"/>
+            <ac:picMk id="6" creationId="{4B8369C4-19D9-4DDA-A72F-6C02CE0A8809}"/>
+          </ac:picMkLst>
+        </pc:picChg>
+        <pc:picChg chg="add mod">
+          <ac:chgData name="Kylie" userId="d58a86503aa0c486" providerId="LiveId" clId="{D2842C85-4F98-4844-8C6C-33CFC4C70103}" dt="2020-11-07T04:56:21.676" v="2456" actId="14100"/>
+          <ac:picMkLst>
+            <pc:docMk/>
+            <pc:sldMk cId="2116139608" sldId="269"/>
+            <ac:picMk id="7" creationId="{89411E48-0475-4E6E-A3F6-1542ED0BB2CF}"/>
+          </ac:picMkLst>
+        </pc:picChg>
+        <pc:cxnChg chg="add">
+          <ac:chgData name="Kylie" userId="d58a86503aa0c486" providerId="LiveId" clId="{D2842C85-4F98-4844-8C6C-33CFC4C70103}" dt="2020-11-07T02:53:47.263" v="2157" actId="26606"/>
+          <ac:cxnSpMkLst>
+            <pc:docMk/>
+            <pc:sldMk cId="2116139608" sldId="269"/>
+            <ac:cxnSpMk id="11" creationId="{C947DF4A-614C-4B4C-8B80-E5B9D8E8CFED}"/>
+          </ac:cxnSpMkLst>
+        </pc:cxnChg>
+      </pc:sldChg>
+      <pc:sldChg chg="addSp delSp modSp add mod ord modClrScheme chgLayout">
+        <pc:chgData name="Kylie" userId="d58a86503aa0c486" providerId="LiveId" clId="{D2842C85-4F98-4844-8C6C-33CFC4C70103}" dt="2020-11-07T16:25:27.548" v="2693" actId="478"/>
+        <pc:sldMkLst>
+          <pc:docMk/>
+          <pc:sldMk cId="1375155543" sldId="270"/>
+        </pc:sldMkLst>
+        <pc:spChg chg="mod ord">
+          <ac:chgData name="Kylie" userId="d58a86503aa0c486" providerId="LiveId" clId="{D2842C85-4F98-4844-8C6C-33CFC4C70103}" dt="2020-11-07T16:25:20.269" v="2692" actId="255"/>
+          <ac:spMkLst>
+            <pc:docMk/>
+            <pc:sldMk cId="1375155543" sldId="270"/>
+            <ac:spMk id="2" creationId="{C9F7B6B5-2FD2-4D35-B9B2-D66ADDC70A02}"/>
+          </ac:spMkLst>
+        </pc:spChg>
+        <pc:spChg chg="del mod ord">
+          <ac:chgData name="Kylie" userId="d58a86503aa0c486" providerId="LiveId" clId="{D2842C85-4F98-4844-8C6C-33CFC4C70103}" dt="2020-11-07T16:23:44.323" v="2653" actId="478"/>
+          <ac:spMkLst>
+            <pc:docMk/>
+            <pc:sldMk cId="1375155543" sldId="270"/>
+            <ac:spMk id="3" creationId="{4AD6F2DE-99F6-4F3A-A9B8-E4CB1ED225CA}"/>
+          </ac:spMkLst>
+        </pc:spChg>
+        <pc:spChg chg="del">
+          <ac:chgData name="Kylie" userId="d58a86503aa0c486" providerId="LiveId" clId="{D2842C85-4F98-4844-8C6C-33CFC4C70103}" dt="2020-11-07T16:24:18.053" v="2665" actId="478"/>
+          <ac:spMkLst>
+            <pc:docMk/>
+            <pc:sldMk cId="1375155543" sldId="270"/>
+            <ac:spMk id="5" creationId="{A461B4D6-25FA-4D9E-B1BF-CDE64064EAAF}"/>
+          </ac:spMkLst>
+        </pc:spChg>
+        <pc:spChg chg="add del mod ord">
+          <ac:chgData name="Kylie" userId="d58a86503aa0c486" providerId="LiveId" clId="{D2842C85-4F98-4844-8C6C-33CFC4C70103}" dt="2020-11-07T16:25:27.548" v="2693" actId="478"/>
+          <ac:spMkLst>
+            <pc:docMk/>
+            <pc:sldMk cId="1375155543" sldId="270"/>
+            <ac:spMk id="6" creationId="{F9A9AED6-96B3-4005-BCF5-4AFF91BD3EBF}"/>
+          </ac:spMkLst>
+        </pc:spChg>
+        <pc:spChg chg="add del mod">
+          <ac:chgData name="Kylie" userId="d58a86503aa0c486" providerId="LiveId" clId="{D2842C85-4F98-4844-8C6C-33CFC4C70103}" dt="2020-11-07T16:23:53.814" v="2655" actId="478"/>
+          <ac:spMkLst>
+            <pc:docMk/>
+            <pc:sldMk cId="1375155543" sldId="270"/>
+            <ac:spMk id="12" creationId="{E43D305C-C958-4668-8034-758B1BAECC51}"/>
+          </ac:spMkLst>
+        </pc:spChg>
+        <pc:picChg chg="mod">
+          <ac:chgData name="Kylie" userId="d58a86503aa0c486" providerId="LiveId" clId="{D2842C85-4F98-4844-8C6C-33CFC4C70103}" dt="2020-11-07T16:24:33.083" v="2670" actId="1076"/>
+          <ac:picMkLst>
+            <pc:docMk/>
+            <pc:sldMk cId="1375155543" sldId="270"/>
+            <ac:picMk id="4" creationId="{D5A5AD70-96C5-452E-B031-9BE5F46BD38E}"/>
+          </ac:picMkLst>
+        </pc:picChg>
+        <pc:picChg chg="mod">
+          <ac:chgData name="Kylie" userId="d58a86503aa0c486" providerId="LiveId" clId="{D2842C85-4F98-4844-8C6C-33CFC4C70103}" dt="2020-11-07T16:24:55.743" v="2679" actId="1076"/>
+          <ac:picMkLst>
+            <pc:docMk/>
+            <pc:sldMk cId="1375155543" sldId="270"/>
+            <ac:picMk id="7" creationId="{8B27F124-744E-4244-9B87-9A309C024A2C}"/>
+          </ac:picMkLst>
+        </pc:picChg>
+        <pc:picChg chg="mod">
+          <ac:chgData name="Kylie" userId="d58a86503aa0c486" providerId="LiveId" clId="{D2842C85-4F98-4844-8C6C-33CFC4C70103}" dt="2020-11-07T16:25:00.868" v="2681" actId="1076"/>
+          <ac:picMkLst>
+            <pc:docMk/>
+            <pc:sldMk cId="1375155543" sldId="270"/>
+            <ac:picMk id="8" creationId="{5A4477DB-9347-4094-843A-8BB47C62223B}"/>
+          </ac:picMkLst>
+        </pc:picChg>
+        <pc:picChg chg="mod">
+          <ac:chgData name="Kylie" userId="d58a86503aa0c486" providerId="LiveId" clId="{D2842C85-4F98-4844-8C6C-33CFC4C70103}" dt="2020-11-07T16:24:52.095" v="2677" actId="1076"/>
+          <ac:picMkLst>
+            <pc:docMk/>
+            <pc:sldMk cId="1375155543" sldId="270"/>
+            <ac:picMk id="10" creationId="{7E31FCD7-5680-46CB-83F8-F179D9B68E27}"/>
+          </ac:picMkLst>
+        </pc:picChg>
+        <pc:picChg chg="mod">
+          <ac:chgData name="Kylie" userId="d58a86503aa0c486" providerId="LiveId" clId="{D2842C85-4F98-4844-8C6C-33CFC4C70103}" dt="2020-11-07T16:24:57.517" v="2680" actId="1076"/>
+          <ac:picMkLst>
+            <pc:docMk/>
+            <pc:sldMk cId="1375155543" sldId="270"/>
+            <ac:picMk id="11" creationId="{FE686958-30B5-4ED3-B372-549FA49385D9}"/>
+          </ac:picMkLst>
+        </pc:picChg>
+      </pc:sldChg>
+    </pc:docChg>
+  </pc:docChgLst>
+</pc:chgInfo>
+</file>
+
 <file path=ppt/slideLayouts/slideLayout1.xml><?xml version="1.0" encoding="utf-8"?>
 <p:sldLayout xmlns:a="http://schemas.openxmlformats.org/drawingml/2006/main" xmlns:r="http://schemas.openxmlformats.org/officeDocument/2006/relationships" xmlns:p="http://schemas.openxmlformats.org/presentationml/2006/main" showMasterSp="0" type="title" preserve="1">
   <p:cSld name="Title Slide">
@@ -357,7 +2252,7 @@
           <a:p>
             <a:fld id="{3D69A355-588A-44C5-A58E-A15A2EE7AE11}" type="datetimeFigureOut">
               <a:rPr lang="en-US" smtClean="0"/>
-              <a:t>11/8/2020</a:t>
+              <a:t>11/6/2020</a:t>
             </a:fld>
             <a:endParaRPr lang="en-US"/>
           </a:p>
@@ -565,7 +2460,7 @@
           <a:p>
             <a:fld id="{3D69A355-588A-44C5-A58E-A15A2EE7AE11}" type="datetimeFigureOut">
               <a:rPr lang="en-US" smtClean="0"/>
-              <a:t>11/8/2020</a:t>
+              <a:t>11/6/2020</a:t>
             </a:fld>
             <a:endParaRPr lang="en-US"/>
           </a:p>
@@ -821,7 +2716,7 @@
           <a:p>
             <a:fld id="{3D69A355-588A-44C5-A58E-A15A2EE7AE11}" type="datetimeFigureOut">
               <a:rPr lang="en-US" smtClean="0"/>
-              <a:t>11/8/2020</a:t>
+              <a:t>11/6/2020</a:t>
             </a:fld>
             <a:endParaRPr lang="en-US"/>
           </a:p>
@@ -995,7 +2890,7 @@
           <a:p>
             <a:fld id="{3D69A355-588A-44C5-A58E-A15A2EE7AE11}" type="datetimeFigureOut">
               <a:rPr lang="en-US" smtClean="0"/>
-              <a:t>11/8/2020</a:t>
+              <a:t>11/6/2020</a:t>
             </a:fld>
             <a:endParaRPr lang="en-US"/>
           </a:p>
@@ -1338,7 +3233,7 @@
           <a:p>
             <a:fld id="{3D69A355-588A-44C5-A58E-A15A2EE7AE11}" type="datetimeFigureOut">
               <a:rPr lang="en-US" smtClean="0"/>
-              <a:t>11/8/2020</a:t>
+              <a:t>11/6/2020</a:t>
             </a:fld>
             <a:endParaRPr lang="en-US"/>
           </a:p>
@@ -1613,7 +3508,7 @@
           <a:p>
             <a:fld id="{3D69A355-588A-44C5-A58E-A15A2EE7AE11}" type="datetimeFigureOut">
               <a:rPr lang="en-US" smtClean="0"/>
-              <a:t>11/8/2020</a:t>
+              <a:t>11/6/2020</a:t>
             </a:fld>
             <a:endParaRPr lang="en-US"/>
           </a:p>
@@ -1992,7 +3887,7 @@
           <a:p>
             <a:fld id="{3D69A355-588A-44C5-A58E-A15A2EE7AE11}" type="datetimeFigureOut">
               <a:rPr lang="en-US" smtClean="0"/>
-              <a:t>11/8/2020</a:t>
+              <a:t>11/6/2020</a:t>
             </a:fld>
             <a:endParaRPr lang="en-US"/>
           </a:p>
@@ -2110,7 +4005,7 @@
           <a:p>
             <a:fld id="{3D69A355-588A-44C5-A58E-A15A2EE7AE11}" type="datetimeFigureOut">
               <a:rPr lang="en-US" smtClean="0"/>
-              <a:t>11/8/2020</a:t>
+              <a:t>11/6/2020</a:t>
             </a:fld>
             <a:endParaRPr lang="en-US"/>
           </a:p>
@@ -2281,7 +4176,7 @@
           <a:p>
             <a:fld id="{3D69A355-588A-44C5-A58E-A15A2EE7AE11}" type="datetimeFigureOut">
               <a:rPr lang="en-US" smtClean="0"/>
-              <a:t>11/8/2020</a:t>
+              <a:t>11/6/2020</a:t>
             </a:fld>
             <a:endParaRPr lang="en-US"/>
           </a:p>
@@ -2635,7 +4530,7 @@
           <a:p>
             <a:fld id="{3D69A355-588A-44C5-A58E-A15A2EE7AE11}" type="datetimeFigureOut">
               <a:rPr lang="en-US" smtClean="0"/>
-              <a:t>11/8/2020</a:t>
+              <a:t>11/6/2020</a:t>
             </a:fld>
             <a:endParaRPr lang="en-US"/>
           </a:p>
@@ -3017,7 +4912,7 @@
           <a:p>
             <a:fld id="{3D69A355-588A-44C5-A58E-A15A2EE7AE11}" type="datetimeFigureOut">
               <a:rPr lang="en-US" smtClean="0"/>
-              <a:t>11/8/2020</a:t>
+              <a:t>11/6/2020</a:t>
             </a:fld>
             <a:endParaRPr lang="en-US"/>
           </a:p>
@@ -3304,7 +5199,7 @@
           <a:p>
             <a:fld id="{3D69A355-588A-44C5-A58E-A15A2EE7AE11}" type="datetimeFigureOut">
               <a:rPr lang="en-US" smtClean="0"/>
-              <a:t>11/8/2020</a:t>
+              <a:t>11/6/2020</a:t>
             </a:fld>
             <a:endParaRPr lang="en-US"/>
           </a:p>
